--- a/figures.pptx
+++ b/figures.pptx
@@ -4377,6 +4377,183 @@
           <a:chExt cx="0" cy="0"/>
         </a:xfrm>
       </p:grpSpPr>
+      <p:sp>
+        <p:nvSpPr>
+          <p:cNvPr id="2" name="正方形/長方形 1"/>
+          <p:cNvSpPr/>
+          <p:nvPr/>
+        </p:nvSpPr>
+        <p:spPr>
+          <a:xfrm>
+            <a:off x="1699708" y="1258645"/>
+            <a:ext cx="6465346" cy="731520"/>
+          </a:xfrm>
+          <a:prstGeom prst="rect">
+            <a:avLst/>
+          </a:prstGeom>
+          <a:noFill/>
+          <a:ln w="31750"/>
+        </p:spPr>
+        <p:style>
+          <a:lnRef idx="2">
+            <a:schemeClr val="accent1">
+              <a:shade val="50000"/>
+            </a:schemeClr>
+          </a:lnRef>
+          <a:fillRef idx="1">
+            <a:schemeClr val="accent1"/>
+          </a:fillRef>
+          <a:effectRef idx="0">
+            <a:schemeClr val="accent1"/>
+          </a:effectRef>
+          <a:fontRef idx="minor">
+            <a:schemeClr val="lt1"/>
+          </a:fontRef>
+        </p:style>
+        <p:txBody>
+          <a:bodyPr rtlCol="0" anchor="ctr"/>
+          <a:lstStyle/>
+          <a:p>
+            <a:pPr algn="ctr"/>
+            <a:endParaRPr kumimoji="1" lang="ja-JP" altLang="en-US"/>
+          </a:p>
+        </p:txBody>
+      </p:sp>
+      <p:sp>
+        <p:nvSpPr>
+          <p:cNvPr id="3" name="正方形/長方形 2"/>
+          <p:cNvSpPr/>
+          <p:nvPr/>
+        </p:nvSpPr>
+        <p:spPr>
+          <a:xfrm>
+            <a:off x="1699708" y="2368476"/>
+            <a:ext cx="6465346" cy="731520"/>
+          </a:xfrm>
+          <a:prstGeom prst="rect">
+            <a:avLst/>
+          </a:prstGeom>
+          <a:noFill/>
+          <a:ln w="31750"/>
+        </p:spPr>
+        <p:style>
+          <a:lnRef idx="2">
+            <a:schemeClr val="accent1">
+              <a:shade val="50000"/>
+            </a:schemeClr>
+          </a:lnRef>
+          <a:fillRef idx="1">
+            <a:schemeClr val="accent1"/>
+          </a:fillRef>
+          <a:effectRef idx="0">
+            <a:schemeClr val="accent1"/>
+          </a:effectRef>
+          <a:fontRef idx="minor">
+            <a:schemeClr val="lt1"/>
+          </a:fontRef>
+        </p:style>
+        <p:txBody>
+          <a:bodyPr rtlCol="0" anchor="ctr"/>
+          <a:lstStyle/>
+          <a:p>
+            <a:pPr algn="ctr"/>
+            <a:endParaRPr kumimoji="1" lang="ja-JP" altLang="en-US"/>
+          </a:p>
+        </p:txBody>
+      </p:sp>
+      <p:sp>
+        <p:nvSpPr>
+          <p:cNvPr id="4" name="テキスト ボックス 3"/>
+          <p:cNvSpPr txBox="1"/>
+          <p:nvPr/>
+        </p:nvSpPr>
+        <p:spPr>
+          <a:xfrm>
+            <a:off x="1699708" y="546270"/>
+            <a:ext cx="463107" cy="523220"/>
+          </a:xfrm>
+          <a:prstGeom prst="rect">
+            <a:avLst/>
+          </a:prstGeom>
+          <a:noFill/>
+        </p:spPr>
+        <p:txBody>
+          <a:bodyPr wrap="square" rtlCol="0">
+            <a:spAutoFit/>
+          </a:bodyPr>
+          <a:lstStyle/>
+          <a:p>
+            <a:pPr algn="ctr"/>
+            <a:r>
+              <a:rPr kumimoji="1" lang="en-US" altLang="ja-JP" sz="2800" dirty="0" smtClean="0"/>
+              <a:t>1</a:t>
+            </a:r>
+            <a:endParaRPr kumimoji="1" lang="ja-JP" altLang="en-US" sz="2800" dirty="0"/>
+          </a:p>
+        </p:txBody>
+      </p:sp>
+      <p:sp>
+        <p:nvSpPr>
+          <p:cNvPr id="5" name="テキスト ボックス 4"/>
+          <p:cNvSpPr txBox="1"/>
+          <p:nvPr/>
+        </p:nvSpPr>
+        <p:spPr>
+          <a:xfrm>
+            <a:off x="2895600" y="546270"/>
+            <a:ext cx="463107" cy="523220"/>
+          </a:xfrm>
+          <a:prstGeom prst="rect">
+            <a:avLst/>
+          </a:prstGeom>
+          <a:noFill/>
+        </p:spPr>
+        <p:txBody>
+          <a:bodyPr wrap="square" rtlCol="0">
+            <a:spAutoFit/>
+          </a:bodyPr>
+          <a:lstStyle/>
+          <a:p>
+            <a:pPr algn="ctr"/>
+            <a:r>
+              <a:rPr kumimoji="1" lang="en-US" altLang="ja-JP" sz="2800" dirty="0" smtClean="0"/>
+              <a:t>2</a:t>
+            </a:r>
+            <a:endParaRPr kumimoji="1" lang="ja-JP" altLang="en-US" sz="2800" dirty="0"/>
+          </a:p>
+        </p:txBody>
+      </p:sp>
+      <p:sp>
+        <p:nvSpPr>
+          <p:cNvPr id="6" name="テキスト ボックス 5"/>
+          <p:cNvSpPr txBox="1"/>
+          <p:nvPr/>
+        </p:nvSpPr>
+        <p:spPr>
+          <a:xfrm>
+            <a:off x="1931261" y="1394491"/>
+            <a:ext cx="463107" cy="523220"/>
+          </a:xfrm>
+          <a:prstGeom prst="rect">
+            <a:avLst/>
+          </a:prstGeom>
+          <a:noFill/>
+        </p:spPr>
+        <p:txBody>
+          <a:bodyPr wrap="square" rtlCol="0">
+            <a:spAutoFit/>
+          </a:bodyPr>
+          <a:lstStyle/>
+          <a:p>
+            <a:pPr algn="ctr"/>
+            <a:r>
+              <a:rPr kumimoji="1" lang="en-US" altLang="ja-JP" sz="2800" smtClean="0"/>
+              <a:t>2</a:t>
+            </a:r>
+            <a:endParaRPr kumimoji="1" lang="ja-JP" altLang="en-US" sz="2800" dirty="0"/>
+          </a:p>
+        </p:txBody>
+      </p:sp>
     </p:spTree>
     <p:extLst>
       <p:ext uri="{BB962C8B-B14F-4D97-AF65-F5344CB8AC3E}">

--- a/figures.pptx
+++ b/figures.pptx
@@ -4379,20 +4379,51 @@
       </p:grpSpPr>
       <p:sp>
         <p:nvSpPr>
-          <p:cNvPr id="2" name="正方形/長方形 1"/>
+          <p:cNvPr id="6" name="テキスト ボックス 5"/>
+          <p:cNvSpPr txBox="1"/>
+          <p:nvPr/>
+        </p:nvSpPr>
+        <p:spPr>
+          <a:xfrm>
+            <a:off x="715907" y="728620"/>
+            <a:ext cx="463107" cy="523220"/>
+          </a:xfrm>
+          <a:prstGeom prst="rect">
+            <a:avLst/>
+          </a:prstGeom>
+          <a:noFill/>
+        </p:spPr>
+        <p:txBody>
+          <a:bodyPr wrap="square" rtlCol="0">
+            <a:spAutoFit/>
+          </a:bodyPr>
+          <a:lstStyle/>
+          <a:p>
+            <a:pPr algn="ctr"/>
+            <a:r>
+              <a:rPr kumimoji="1" lang="en-US" altLang="ja-JP" sz="2800" smtClean="0"/>
+              <a:t>2</a:t>
+            </a:r>
+            <a:endParaRPr kumimoji="1" lang="ja-JP" altLang="en-US" sz="2800" dirty="0"/>
+          </a:p>
+        </p:txBody>
+      </p:sp>
+      <p:sp>
+        <p:nvSpPr>
+          <p:cNvPr id="14" name="正方形/長方形 13"/>
           <p:cNvSpPr/>
           <p:nvPr/>
         </p:nvSpPr>
         <p:spPr>
           <a:xfrm>
-            <a:off x="1699708" y="1258645"/>
-            <a:ext cx="6465346" cy="731520"/>
+            <a:off x="1699708" y="2969462"/>
+            <a:ext cx="715246" cy="520090"/>
           </a:xfrm>
           <a:prstGeom prst="rect">
             <a:avLst/>
           </a:prstGeom>
           <a:noFill/>
-          <a:ln w="31750"/>
+          <a:ln w="19050"/>
         </p:spPr>
         <p:style>
           <a:lnRef idx="2">
@@ -4421,20 +4452,20 @@
       </p:sp>
       <p:sp>
         <p:nvSpPr>
-          <p:cNvPr id="3" name="正方形/長方形 2"/>
+          <p:cNvPr id="16" name="正方形/長方形 15"/>
           <p:cNvSpPr/>
           <p:nvPr/>
         </p:nvSpPr>
         <p:spPr>
           <a:xfrm>
-            <a:off x="1699708" y="2368476"/>
-            <a:ext cx="6465346" cy="731520"/>
+            <a:off x="2414954" y="2969462"/>
+            <a:ext cx="715246" cy="520090"/>
           </a:xfrm>
           <a:prstGeom prst="rect">
             <a:avLst/>
           </a:prstGeom>
           <a:noFill/>
-          <a:ln w="31750"/>
+          <a:ln w="19050"/>
         </p:spPr>
         <p:style>
           <a:lnRef idx="2">
@@ -4463,14 +4494,182 @@
       </p:sp>
       <p:sp>
         <p:nvSpPr>
-          <p:cNvPr id="4" name="テキスト ボックス 3"/>
+          <p:cNvPr id="17" name="正方形/長方形 16"/>
+          <p:cNvSpPr/>
+          <p:nvPr/>
+        </p:nvSpPr>
+        <p:spPr>
+          <a:xfrm>
+            <a:off x="3130200" y="2969462"/>
+            <a:ext cx="715246" cy="520090"/>
+          </a:xfrm>
+          <a:prstGeom prst="rect">
+            <a:avLst/>
+          </a:prstGeom>
+          <a:noFill/>
+          <a:ln w="19050"/>
+        </p:spPr>
+        <p:style>
+          <a:lnRef idx="2">
+            <a:schemeClr val="accent1">
+              <a:shade val="50000"/>
+            </a:schemeClr>
+          </a:lnRef>
+          <a:fillRef idx="1">
+            <a:schemeClr val="accent1"/>
+          </a:fillRef>
+          <a:effectRef idx="0">
+            <a:schemeClr val="accent1"/>
+          </a:effectRef>
+          <a:fontRef idx="minor">
+            <a:schemeClr val="lt1"/>
+          </a:fontRef>
+        </p:style>
+        <p:txBody>
+          <a:bodyPr rtlCol="0" anchor="ctr"/>
+          <a:lstStyle/>
+          <a:p>
+            <a:pPr algn="ctr"/>
+            <a:endParaRPr kumimoji="1" lang="ja-JP" altLang="en-US"/>
+          </a:p>
+        </p:txBody>
+      </p:sp>
+      <p:sp>
+        <p:nvSpPr>
+          <p:cNvPr id="18" name="正方形/長方形 17"/>
+          <p:cNvSpPr/>
+          <p:nvPr/>
+        </p:nvSpPr>
+        <p:spPr>
+          <a:xfrm>
+            <a:off x="3845722" y="2969462"/>
+            <a:ext cx="715246" cy="520090"/>
+          </a:xfrm>
+          <a:prstGeom prst="rect">
+            <a:avLst/>
+          </a:prstGeom>
+          <a:noFill/>
+          <a:ln w="19050"/>
+        </p:spPr>
+        <p:style>
+          <a:lnRef idx="2">
+            <a:schemeClr val="accent1">
+              <a:shade val="50000"/>
+            </a:schemeClr>
+          </a:lnRef>
+          <a:fillRef idx="1">
+            <a:schemeClr val="accent1"/>
+          </a:fillRef>
+          <a:effectRef idx="0">
+            <a:schemeClr val="accent1"/>
+          </a:effectRef>
+          <a:fontRef idx="minor">
+            <a:schemeClr val="lt1"/>
+          </a:fontRef>
+        </p:style>
+        <p:txBody>
+          <a:bodyPr rtlCol="0" anchor="ctr"/>
+          <a:lstStyle/>
+          <a:p>
+            <a:pPr algn="ctr"/>
+            <a:endParaRPr kumimoji="1" lang="ja-JP" altLang="en-US"/>
+          </a:p>
+        </p:txBody>
+      </p:sp>
+      <p:sp>
+        <p:nvSpPr>
+          <p:cNvPr id="19" name="正方形/長方形 18"/>
+          <p:cNvSpPr/>
+          <p:nvPr/>
+        </p:nvSpPr>
+        <p:spPr>
+          <a:xfrm>
+            <a:off x="4560968" y="2969462"/>
+            <a:ext cx="715246" cy="520090"/>
+          </a:xfrm>
+          <a:prstGeom prst="rect">
+            <a:avLst/>
+          </a:prstGeom>
+          <a:noFill/>
+          <a:ln w="19050"/>
+        </p:spPr>
+        <p:style>
+          <a:lnRef idx="2">
+            <a:schemeClr val="accent1">
+              <a:shade val="50000"/>
+            </a:schemeClr>
+          </a:lnRef>
+          <a:fillRef idx="1">
+            <a:schemeClr val="accent1"/>
+          </a:fillRef>
+          <a:effectRef idx="0">
+            <a:schemeClr val="accent1"/>
+          </a:effectRef>
+          <a:fontRef idx="minor">
+            <a:schemeClr val="lt1"/>
+          </a:fontRef>
+        </p:style>
+        <p:txBody>
+          <a:bodyPr rtlCol="0" anchor="ctr"/>
+          <a:lstStyle/>
+          <a:p>
+            <a:pPr algn="ctr"/>
+            <a:endParaRPr kumimoji="1" lang="ja-JP" altLang="en-US"/>
+          </a:p>
+        </p:txBody>
+      </p:sp>
+      <p:sp>
+        <p:nvSpPr>
+          <p:cNvPr id="20" name="正方形/長方形 19"/>
+          <p:cNvSpPr/>
+          <p:nvPr/>
+        </p:nvSpPr>
+        <p:spPr>
+          <a:xfrm>
+            <a:off x="5276214" y="2969462"/>
+            <a:ext cx="715246" cy="520090"/>
+          </a:xfrm>
+          <a:prstGeom prst="rect">
+            <a:avLst/>
+          </a:prstGeom>
+          <a:noFill/>
+          <a:ln w="19050"/>
+        </p:spPr>
+        <p:style>
+          <a:lnRef idx="2">
+            <a:schemeClr val="accent1">
+              <a:shade val="50000"/>
+            </a:schemeClr>
+          </a:lnRef>
+          <a:fillRef idx="1">
+            <a:schemeClr val="accent1"/>
+          </a:fillRef>
+          <a:effectRef idx="0">
+            <a:schemeClr val="accent1"/>
+          </a:effectRef>
+          <a:fontRef idx="minor">
+            <a:schemeClr val="lt1"/>
+          </a:fontRef>
+        </p:style>
+        <p:txBody>
+          <a:bodyPr rtlCol="0" anchor="ctr"/>
+          <a:lstStyle/>
+          <a:p>
+            <a:pPr algn="ctr"/>
+            <a:endParaRPr kumimoji="1" lang="ja-JP" altLang="en-US"/>
+          </a:p>
+        </p:txBody>
+      </p:sp>
+      <p:sp>
+        <p:nvSpPr>
+          <p:cNvPr id="21" name="テキスト ボックス 20"/>
           <p:cNvSpPr txBox="1"/>
           <p:nvPr/>
         </p:nvSpPr>
         <p:spPr>
           <a:xfrm>
-            <a:off x="1699708" y="546270"/>
-            <a:ext cx="463107" cy="523220"/>
+            <a:off x="1804396" y="2966332"/>
+            <a:ext cx="496493" cy="523220"/>
           </a:xfrm>
           <a:prstGeom prst="rect">
             <a:avLst/>
@@ -4485,7 +4684,7 @@
           <a:p>
             <a:pPr algn="ctr"/>
             <a:r>
-              <a:rPr kumimoji="1" lang="en-US" altLang="ja-JP" sz="2800" dirty="0" smtClean="0"/>
+              <a:rPr lang="en-US" altLang="ja-JP" sz="2800" dirty="0"/>
               <a:t>1</a:t>
             </a:r>
             <a:endParaRPr kumimoji="1" lang="ja-JP" altLang="en-US" sz="2800" dirty="0"/>
@@ -4494,14 +4693,14 @@
       </p:sp>
       <p:sp>
         <p:nvSpPr>
-          <p:cNvPr id="5" name="テキスト ボックス 4"/>
+          <p:cNvPr id="22" name="テキスト ボックス 21"/>
           <p:cNvSpPr txBox="1"/>
           <p:nvPr/>
         </p:nvSpPr>
         <p:spPr>
           <a:xfrm>
-            <a:off x="2895600" y="546270"/>
-            <a:ext cx="463107" cy="523220"/>
+            <a:off x="2524330" y="2971021"/>
+            <a:ext cx="496493" cy="523220"/>
           </a:xfrm>
           <a:prstGeom prst="rect">
             <a:avLst/>
@@ -4516,7 +4715,7 @@
           <a:p>
             <a:pPr algn="ctr"/>
             <a:r>
-              <a:rPr kumimoji="1" lang="en-US" altLang="ja-JP" sz="2800" dirty="0" smtClean="0"/>
+              <a:rPr lang="en-US" altLang="ja-JP" sz="2800" dirty="0" smtClean="0"/>
               <a:t>2</a:t>
             </a:r>
             <a:endParaRPr kumimoji="1" lang="ja-JP" altLang="en-US" sz="2800" dirty="0"/>
@@ -4525,14 +4724,14 @@
       </p:sp>
       <p:sp>
         <p:nvSpPr>
-          <p:cNvPr id="6" name="テキスト ボックス 5"/>
+          <p:cNvPr id="23" name="テキスト ボックス 22"/>
           <p:cNvSpPr txBox="1"/>
           <p:nvPr/>
         </p:nvSpPr>
         <p:spPr>
           <a:xfrm>
-            <a:off x="1931261" y="1394491"/>
-            <a:ext cx="463107" cy="523220"/>
+            <a:off x="3245305" y="2971021"/>
+            <a:ext cx="496493" cy="523220"/>
           </a:xfrm>
           <a:prstGeom prst="rect">
             <a:avLst/>
@@ -4547,8 +4746,787 @@
           <a:p>
             <a:pPr algn="ctr"/>
             <a:r>
-              <a:rPr kumimoji="1" lang="en-US" altLang="ja-JP" sz="2800" smtClean="0"/>
+              <a:rPr lang="en-US" altLang="ja-JP" sz="2800" dirty="0"/>
+              <a:t>3</a:t>
+            </a:r>
+            <a:endParaRPr kumimoji="1" lang="ja-JP" altLang="en-US" sz="2800" dirty="0"/>
+          </a:p>
+        </p:txBody>
+      </p:sp>
+      <p:sp>
+        <p:nvSpPr>
+          <p:cNvPr id="24" name="テキスト ボックス 23"/>
+          <p:cNvSpPr txBox="1"/>
+          <p:nvPr/>
+        </p:nvSpPr>
+        <p:spPr>
+          <a:xfrm>
+            <a:off x="3961591" y="2966332"/>
+            <a:ext cx="496493" cy="523220"/>
+          </a:xfrm>
+          <a:prstGeom prst="rect">
+            <a:avLst/>
+          </a:prstGeom>
+          <a:noFill/>
+        </p:spPr>
+        <p:txBody>
+          <a:bodyPr wrap="square" rtlCol="0">
+            <a:spAutoFit/>
+          </a:bodyPr>
+          <a:lstStyle/>
+          <a:p>
+            <a:pPr algn="ctr"/>
+            <a:r>
+              <a:rPr lang="en-US" altLang="ja-JP" sz="2800" dirty="0" smtClean="0"/>
+              <a:t>4</a:t>
+            </a:r>
+            <a:endParaRPr kumimoji="1" lang="ja-JP" altLang="en-US" sz="2800" dirty="0"/>
+          </a:p>
+        </p:txBody>
+      </p:sp>
+      <p:sp>
+        <p:nvSpPr>
+          <p:cNvPr id="25" name="テキスト ボックス 24"/>
+          <p:cNvSpPr txBox="1"/>
+          <p:nvPr/>
+        </p:nvSpPr>
+        <p:spPr>
+          <a:xfrm>
+            <a:off x="267146" y="2984147"/>
+            <a:ext cx="1134932" cy="523220"/>
+          </a:xfrm>
+          <a:prstGeom prst="rect">
+            <a:avLst/>
+          </a:prstGeom>
+          <a:noFill/>
+        </p:spPr>
+        <p:txBody>
+          <a:bodyPr wrap="square" rtlCol="0">
+            <a:spAutoFit/>
+          </a:bodyPr>
+          <a:lstStyle/>
+          <a:p>
+            <a:pPr algn="ctr"/>
+            <a:r>
+              <a:rPr kumimoji="1" lang="en-US" altLang="ja-JP" sz="2800" dirty="0" smtClean="0"/>
+              <a:t>check</a:t>
+            </a:r>
+            <a:endParaRPr kumimoji="1" lang="ja-JP" altLang="en-US" sz="2800" dirty="0"/>
+          </a:p>
+        </p:txBody>
+      </p:sp>
+      <p:sp>
+        <p:nvSpPr>
+          <p:cNvPr id="26" name="テキスト ボックス 25"/>
+          <p:cNvSpPr txBox="1"/>
+          <p:nvPr/>
+        </p:nvSpPr>
+        <p:spPr>
+          <a:xfrm>
+            <a:off x="267146" y="2001755"/>
+            <a:ext cx="1134932" cy="523220"/>
+          </a:xfrm>
+          <a:prstGeom prst="rect">
+            <a:avLst/>
+          </a:prstGeom>
+          <a:noFill/>
+        </p:spPr>
+        <p:txBody>
+          <a:bodyPr wrap="square" rtlCol="0">
+            <a:spAutoFit/>
+          </a:bodyPr>
+          <a:lstStyle/>
+          <a:p>
+            <a:pPr algn="ctr"/>
+            <a:r>
+              <a:rPr kumimoji="1" lang="en-US" altLang="ja-JP" sz="2800" dirty="0" smtClean="0"/>
+              <a:t>base</a:t>
+            </a:r>
+            <a:endParaRPr kumimoji="1" lang="ja-JP" altLang="en-US" sz="2800" dirty="0"/>
+          </a:p>
+        </p:txBody>
+      </p:sp>
+      <p:sp>
+        <p:nvSpPr>
+          <p:cNvPr id="27" name="テキスト ボックス 26"/>
+          <p:cNvSpPr txBox="1"/>
+          <p:nvPr/>
+        </p:nvSpPr>
+        <p:spPr>
+          <a:xfrm>
+            <a:off x="4663240" y="2966332"/>
+            <a:ext cx="496493" cy="523220"/>
+          </a:xfrm>
+          <a:prstGeom prst="rect">
+            <a:avLst/>
+          </a:prstGeom>
+          <a:noFill/>
+        </p:spPr>
+        <p:txBody>
+          <a:bodyPr wrap="square" rtlCol="0">
+            <a:spAutoFit/>
+          </a:bodyPr>
+          <a:lstStyle/>
+          <a:p>
+            <a:pPr algn="ctr"/>
+            <a:r>
+              <a:rPr lang="en-US" altLang="ja-JP" sz="2800" dirty="0"/>
+              <a:t>5</a:t>
+            </a:r>
+            <a:endParaRPr kumimoji="1" lang="ja-JP" altLang="en-US" sz="2800" dirty="0"/>
+          </a:p>
+        </p:txBody>
+      </p:sp>
+      <p:sp>
+        <p:nvSpPr>
+          <p:cNvPr id="28" name="テキスト ボックス 27"/>
+          <p:cNvSpPr txBox="1"/>
+          <p:nvPr/>
+        </p:nvSpPr>
+        <p:spPr>
+          <a:xfrm>
+            <a:off x="5384215" y="2969462"/>
+            <a:ext cx="496493" cy="523220"/>
+          </a:xfrm>
+          <a:prstGeom prst="rect">
+            <a:avLst/>
+          </a:prstGeom>
+          <a:noFill/>
+        </p:spPr>
+        <p:txBody>
+          <a:bodyPr wrap="square" rtlCol="0">
+            <a:spAutoFit/>
+          </a:bodyPr>
+          <a:lstStyle/>
+          <a:p>
+            <a:pPr algn="ctr"/>
+            <a:r>
+              <a:rPr lang="en-US" altLang="ja-JP" sz="2800" dirty="0"/>
+              <a:t>6</a:t>
+            </a:r>
+            <a:endParaRPr kumimoji="1" lang="ja-JP" altLang="en-US" sz="2800" dirty="0"/>
+          </a:p>
+        </p:txBody>
+      </p:sp>
+      <p:sp>
+        <p:nvSpPr>
+          <p:cNvPr id="29" name="正方形/長方形 28"/>
+          <p:cNvSpPr/>
+          <p:nvPr/>
+        </p:nvSpPr>
+        <p:spPr>
+          <a:xfrm>
+            <a:off x="1699708" y="1996447"/>
+            <a:ext cx="715246" cy="520090"/>
+          </a:xfrm>
+          <a:prstGeom prst="rect">
+            <a:avLst/>
+          </a:prstGeom>
+          <a:noFill/>
+          <a:ln w="19050"/>
+        </p:spPr>
+        <p:style>
+          <a:lnRef idx="2">
+            <a:schemeClr val="accent1">
+              <a:shade val="50000"/>
+            </a:schemeClr>
+          </a:lnRef>
+          <a:fillRef idx="1">
+            <a:schemeClr val="accent1"/>
+          </a:fillRef>
+          <a:effectRef idx="0">
+            <a:schemeClr val="accent1"/>
+          </a:effectRef>
+          <a:fontRef idx="minor">
+            <a:schemeClr val="lt1"/>
+          </a:fontRef>
+        </p:style>
+        <p:txBody>
+          <a:bodyPr rtlCol="0" anchor="ctr"/>
+          <a:lstStyle/>
+          <a:p>
+            <a:pPr algn="ctr"/>
+            <a:endParaRPr kumimoji="1" lang="ja-JP" altLang="en-US"/>
+          </a:p>
+        </p:txBody>
+      </p:sp>
+      <p:sp>
+        <p:nvSpPr>
+          <p:cNvPr id="30" name="正方形/長方形 29"/>
+          <p:cNvSpPr/>
+          <p:nvPr/>
+        </p:nvSpPr>
+        <p:spPr>
+          <a:xfrm>
+            <a:off x="2414954" y="1996447"/>
+            <a:ext cx="715246" cy="520090"/>
+          </a:xfrm>
+          <a:prstGeom prst="rect">
+            <a:avLst/>
+          </a:prstGeom>
+          <a:noFill/>
+          <a:ln w="19050"/>
+        </p:spPr>
+        <p:style>
+          <a:lnRef idx="2">
+            <a:schemeClr val="accent1">
+              <a:shade val="50000"/>
+            </a:schemeClr>
+          </a:lnRef>
+          <a:fillRef idx="1">
+            <a:schemeClr val="accent1"/>
+          </a:fillRef>
+          <a:effectRef idx="0">
+            <a:schemeClr val="accent1"/>
+          </a:effectRef>
+          <a:fontRef idx="minor">
+            <a:schemeClr val="lt1"/>
+          </a:fontRef>
+        </p:style>
+        <p:txBody>
+          <a:bodyPr rtlCol="0" anchor="ctr"/>
+          <a:lstStyle/>
+          <a:p>
+            <a:pPr algn="ctr"/>
+            <a:endParaRPr kumimoji="1" lang="ja-JP" altLang="en-US"/>
+          </a:p>
+        </p:txBody>
+      </p:sp>
+      <p:sp>
+        <p:nvSpPr>
+          <p:cNvPr id="31" name="正方形/長方形 30"/>
+          <p:cNvSpPr/>
+          <p:nvPr/>
+        </p:nvSpPr>
+        <p:spPr>
+          <a:xfrm>
+            <a:off x="3130200" y="1996447"/>
+            <a:ext cx="715246" cy="520090"/>
+          </a:xfrm>
+          <a:prstGeom prst="rect">
+            <a:avLst/>
+          </a:prstGeom>
+          <a:noFill/>
+          <a:ln w="19050"/>
+        </p:spPr>
+        <p:style>
+          <a:lnRef idx="2">
+            <a:schemeClr val="accent1">
+              <a:shade val="50000"/>
+            </a:schemeClr>
+          </a:lnRef>
+          <a:fillRef idx="1">
+            <a:schemeClr val="accent1"/>
+          </a:fillRef>
+          <a:effectRef idx="0">
+            <a:schemeClr val="accent1"/>
+          </a:effectRef>
+          <a:fontRef idx="minor">
+            <a:schemeClr val="lt1"/>
+          </a:fontRef>
+        </p:style>
+        <p:txBody>
+          <a:bodyPr rtlCol="0" anchor="ctr"/>
+          <a:lstStyle/>
+          <a:p>
+            <a:pPr algn="ctr"/>
+            <a:endParaRPr kumimoji="1" lang="ja-JP" altLang="en-US"/>
+          </a:p>
+        </p:txBody>
+      </p:sp>
+      <p:sp>
+        <p:nvSpPr>
+          <p:cNvPr id="32" name="正方形/長方形 31"/>
+          <p:cNvSpPr/>
+          <p:nvPr/>
+        </p:nvSpPr>
+        <p:spPr>
+          <a:xfrm>
+            <a:off x="3845722" y="1996447"/>
+            <a:ext cx="715246" cy="520090"/>
+          </a:xfrm>
+          <a:prstGeom prst="rect">
+            <a:avLst/>
+          </a:prstGeom>
+          <a:noFill/>
+          <a:ln w="19050"/>
+        </p:spPr>
+        <p:style>
+          <a:lnRef idx="2">
+            <a:schemeClr val="accent1">
+              <a:shade val="50000"/>
+            </a:schemeClr>
+          </a:lnRef>
+          <a:fillRef idx="1">
+            <a:schemeClr val="accent1"/>
+          </a:fillRef>
+          <a:effectRef idx="0">
+            <a:schemeClr val="accent1"/>
+          </a:effectRef>
+          <a:fontRef idx="minor">
+            <a:schemeClr val="lt1"/>
+          </a:fontRef>
+        </p:style>
+        <p:txBody>
+          <a:bodyPr rtlCol="0" anchor="ctr"/>
+          <a:lstStyle/>
+          <a:p>
+            <a:pPr algn="ctr"/>
+            <a:endParaRPr kumimoji="1" lang="ja-JP" altLang="en-US"/>
+          </a:p>
+        </p:txBody>
+      </p:sp>
+      <p:sp>
+        <p:nvSpPr>
+          <p:cNvPr id="33" name="正方形/長方形 32"/>
+          <p:cNvSpPr/>
+          <p:nvPr/>
+        </p:nvSpPr>
+        <p:spPr>
+          <a:xfrm>
+            <a:off x="4560968" y="1996447"/>
+            <a:ext cx="715246" cy="520090"/>
+          </a:xfrm>
+          <a:prstGeom prst="rect">
+            <a:avLst/>
+          </a:prstGeom>
+          <a:noFill/>
+          <a:ln w="19050"/>
+        </p:spPr>
+        <p:style>
+          <a:lnRef idx="2">
+            <a:schemeClr val="accent1">
+              <a:shade val="50000"/>
+            </a:schemeClr>
+          </a:lnRef>
+          <a:fillRef idx="1">
+            <a:schemeClr val="accent1"/>
+          </a:fillRef>
+          <a:effectRef idx="0">
+            <a:schemeClr val="accent1"/>
+          </a:effectRef>
+          <a:fontRef idx="minor">
+            <a:schemeClr val="lt1"/>
+          </a:fontRef>
+        </p:style>
+        <p:txBody>
+          <a:bodyPr rtlCol="0" anchor="ctr"/>
+          <a:lstStyle/>
+          <a:p>
+            <a:pPr algn="ctr"/>
+            <a:endParaRPr kumimoji="1" lang="ja-JP" altLang="en-US"/>
+          </a:p>
+        </p:txBody>
+      </p:sp>
+      <p:sp>
+        <p:nvSpPr>
+          <p:cNvPr id="34" name="正方形/長方形 33"/>
+          <p:cNvSpPr/>
+          <p:nvPr/>
+        </p:nvSpPr>
+        <p:spPr>
+          <a:xfrm>
+            <a:off x="5276214" y="1996447"/>
+            <a:ext cx="715246" cy="520090"/>
+          </a:xfrm>
+          <a:prstGeom prst="rect">
+            <a:avLst/>
+          </a:prstGeom>
+          <a:noFill/>
+          <a:ln w="19050"/>
+        </p:spPr>
+        <p:style>
+          <a:lnRef idx="2">
+            <a:schemeClr val="accent1">
+              <a:shade val="50000"/>
+            </a:schemeClr>
+          </a:lnRef>
+          <a:fillRef idx="1">
+            <a:schemeClr val="accent1"/>
+          </a:fillRef>
+          <a:effectRef idx="0">
+            <a:schemeClr val="accent1"/>
+          </a:effectRef>
+          <a:fontRef idx="minor">
+            <a:schemeClr val="lt1"/>
+          </a:fontRef>
+        </p:style>
+        <p:txBody>
+          <a:bodyPr rtlCol="0" anchor="ctr"/>
+          <a:lstStyle/>
+          <a:p>
+            <a:pPr algn="ctr"/>
+            <a:endParaRPr kumimoji="1" lang="ja-JP" altLang="en-US"/>
+          </a:p>
+        </p:txBody>
+      </p:sp>
+      <p:sp>
+        <p:nvSpPr>
+          <p:cNvPr id="35" name="テキスト ボックス 34"/>
+          <p:cNvSpPr txBox="1"/>
+          <p:nvPr/>
+        </p:nvSpPr>
+        <p:spPr>
+          <a:xfrm>
+            <a:off x="1804396" y="1993317"/>
+            <a:ext cx="496493" cy="523220"/>
+          </a:xfrm>
+          <a:prstGeom prst="rect">
+            <a:avLst/>
+          </a:prstGeom>
+          <a:noFill/>
+        </p:spPr>
+        <p:txBody>
+          <a:bodyPr wrap="square" rtlCol="0">
+            <a:spAutoFit/>
+          </a:bodyPr>
+          <a:lstStyle/>
+          <a:p>
+            <a:pPr algn="ctr"/>
+            <a:r>
+              <a:rPr lang="en-US" altLang="ja-JP" sz="2800" dirty="0"/>
+              <a:t>1</a:t>
+            </a:r>
+            <a:endParaRPr kumimoji="1" lang="ja-JP" altLang="en-US" sz="2800" dirty="0"/>
+          </a:p>
+        </p:txBody>
+      </p:sp>
+      <p:sp>
+        <p:nvSpPr>
+          <p:cNvPr id="36" name="テキスト ボックス 35"/>
+          <p:cNvSpPr txBox="1"/>
+          <p:nvPr/>
+        </p:nvSpPr>
+        <p:spPr>
+          <a:xfrm>
+            <a:off x="2524330" y="1998006"/>
+            <a:ext cx="496493" cy="523220"/>
+          </a:xfrm>
+          <a:prstGeom prst="rect">
+            <a:avLst/>
+          </a:prstGeom>
+          <a:noFill/>
+        </p:spPr>
+        <p:txBody>
+          <a:bodyPr wrap="square" rtlCol="0">
+            <a:spAutoFit/>
+          </a:bodyPr>
+          <a:lstStyle/>
+          <a:p>
+            <a:pPr algn="ctr"/>
+            <a:r>
+              <a:rPr lang="en-US" altLang="ja-JP" sz="2800" dirty="0" smtClean="0"/>
               <a:t>2</a:t>
+            </a:r>
+            <a:endParaRPr kumimoji="1" lang="ja-JP" altLang="en-US" sz="2800" dirty="0"/>
+          </a:p>
+        </p:txBody>
+      </p:sp>
+      <p:sp>
+        <p:nvSpPr>
+          <p:cNvPr id="37" name="テキスト ボックス 36"/>
+          <p:cNvSpPr txBox="1"/>
+          <p:nvPr/>
+        </p:nvSpPr>
+        <p:spPr>
+          <a:xfrm>
+            <a:off x="3245305" y="1998006"/>
+            <a:ext cx="496493" cy="523220"/>
+          </a:xfrm>
+          <a:prstGeom prst="rect">
+            <a:avLst/>
+          </a:prstGeom>
+          <a:noFill/>
+        </p:spPr>
+        <p:txBody>
+          <a:bodyPr wrap="square" rtlCol="0">
+            <a:spAutoFit/>
+          </a:bodyPr>
+          <a:lstStyle/>
+          <a:p>
+            <a:pPr algn="ctr"/>
+            <a:r>
+              <a:rPr lang="en-US" altLang="ja-JP" sz="2800" dirty="0"/>
+              <a:t>3</a:t>
+            </a:r>
+            <a:endParaRPr kumimoji="1" lang="ja-JP" altLang="en-US" sz="2800" dirty="0"/>
+          </a:p>
+        </p:txBody>
+      </p:sp>
+      <p:sp>
+        <p:nvSpPr>
+          <p:cNvPr id="38" name="テキスト ボックス 37"/>
+          <p:cNvSpPr txBox="1"/>
+          <p:nvPr/>
+        </p:nvSpPr>
+        <p:spPr>
+          <a:xfrm>
+            <a:off x="3961591" y="1993317"/>
+            <a:ext cx="496493" cy="523220"/>
+          </a:xfrm>
+          <a:prstGeom prst="rect">
+            <a:avLst/>
+          </a:prstGeom>
+          <a:noFill/>
+        </p:spPr>
+        <p:txBody>
+          <a:bodyPr wrap="square" rtlCol="0">
+            <a:spAutoFit/>
+          </a:bodyPr>
+          <a:lstStyle/>
+          <a:p>
+            <a:pPr algn="ctr"/>
+            <a:r>
+              <a:rPr lang="en-US" altLang="ja-JP" sz="2800" dirty="0" smtClean="0"/>
+              <a:t>4</a:t>
+            </a:r>
+            <a:endParaRPr kumimoji="1" lang="ja-JP" altLang="en-US" sz="2800" dirty="0"/>
+          </a:p>
+        </p:txBody>
+      </p:sp>
+      <p:sp>
+        <p:nvSpPr>
+          <p:cNvPr id="39" name="テキスト ボックス 38"/>
+          <p:cNvSpPr txBox="1"/>
+          <p:nvPr/>
+        </p:nvSpPr>
+        <p:spPr>
+          <a:xfrm>
+            <a:off x="4663240" y="1993317"/>
+            <a:ext cx="496493" cy="523220"/>
+          </a:xfrm>
+          <a:prstGeom prst="rect">
+            <a:avLst/>
+          </a:prstGeom>
+          <a:noFill/>
+        </p:spPr>
+        <p:txBody>
+          <a:bodyPr wrap="square" rtlCol="0">
+            <a:spAutoFit/>
+          </a:bodyPr>
+          <a:lstStyle/>
+          <a:p>
+            <a:pPr algn="ctr"/>
+            <a:r>
+              <a:rPr lang="en-US" altLang="ja-JP" sz="2800" dirty="0"/>
+              <a:t>5</a:t>
+            </a:r>
+            <a:endParaRPr kumimoji="1" lang="ja-JP" altLang="en-US" sz="2800" dirty="0"/>
+          </a:p>
+        </p:txBody>
+      </p:sp>
+      <p:sp>
+        <p:nvSpPr>
+          <p:cNvPr id="40" name="テキスト ボックス 39"/>
+          <p:cNvSpPr txBox="1"/>
+          <p:nvPr/>
+        </p:nvSpPr>
+        <p:spPr>
+          <a:xfrm>
+            <a:off x="5384215" y="1996447"/>
+            <a:ext cx="496493" cy="523220"/>
+          </a:xfrm>
+          <a:prstGeom prst="rect">
+            <a:avLst/>
+          </a:prstGeom>
+          <a:noFill/>
+        </p:spPr>
+        <p:txBody>
+          <a:bodyPr wrap="square" rtlCol="0">
+            <a:spAutoFit/>
+          </a:bodyPr>
+          <a:lstStyle/>
+          <a:p>
+            <a:pPr algn="ctr"/>
+            <a:r>
+              <a:rPr lang="en-US" altLang="ja-JP" sz="2800" dirty="0"/>
+              <a:t>6</a:t>
+            </a:r>
+            <a:endParaRPr kumimoji="1" lang="ja-JP" altLang="en-US" sz="2800" dirty="0"/>
+          </a:p>
+        </p:txBody>
+      </p:sp>
+      <p:sp>
+        <p:nvSpPr>
+          <p:cNvPr id="47" name="テキスト ボックス 46"/>
+          <p:cNvSpPr txBox="1"/>
+          <p:nvPr/>
+        </p:nvSpPr>
+        <p:spPr>
+          <a:xfrm>
+            <a:off x="1804396" y="1289164"/>
+            <a:ext cx="496493" cy="523220"/>
+          </a:xfrm>
+          <a:prstGeom prst="rect">
+            <a:avLst/>
+          </a:prstGeom>
+          <a:noFill/>
+        </p:spPr>
+        <p:txBody>
+          <a:bodyPr wrap="square" rtlCol="0">
+            <a:spAutoFit/>
+          </a:bodyPr>
+          <a:lstStyle/>
+          <a:p>
+            <a:pPr algn="ctr"/>
+            <a:r>
+              <a:rPr lang="en-US" altLang="ja-JP" sz="2800" dirty="0"/>
+              <a:t>1</a:t>
+            </a:r>
+            <a:endParaRPr kumimoji="1" lang="ja-JP" altLang="en-US" sz="2800" dirty="0"/>
+          </a:p>
+        </p:txBody>
+      </p:sp>
+      <p:sp>
+        <p:nvSpPr>
+          <p:cNvPr id="48" name="テキスト ボックス 47"/>
+          <p:cNvSpPr txBox="1"/>
+          <p:nvPr/>
+        </p:nvSpPr>
+        <p:spPr>
+          <a:xfrm>
+            <a:off x="2524330" y="1293853"/>
+            <a:ext cx="496493" cy="523220"/>
+          </a:xfrm>
+          <a:prstGeom prst="rect">
+            <a:avLst/>
+          </a:prstGeom>
+          <a:noFill/>
+        </p:spPr>
+        <p:txBody>
+          <a:bodyPr wrap="square" rtlCol="0">
+            <a:spAutoFit/>
+          </a:bodyPr>
+          <a:lstStyle/>
+          <a:p>
+            <a:pPr algn="ctr"/>
+            <a:r>
+              <a:rPr lang="en-US" altLang="ja-JP" sz="2800" dirty="0" smtClean="0"/>
+              <a:t>2</a:t>
+            </a:r>
+            <a:endParaRPr kumimoji="1" lang="ja-JP" altLang="en-US" sz="2800" dirty="0"/>
+          </a:p>
+        </p:txBody>
+      </p:sp>
+      <p:sp>
+        <p:nvSpPr>
+          <p:cNvPr id="49" name="テキスト ボックス 48"/>
+          <p:cNvSpPr txBox="1"/>
+          <p:nvPr/>
+        </p:nvSpPr>
+        <p:spPr>
+          <a:xfrm>
+            <a:off x="3245305" y="1293853"/>
+            <a:ext cx="496493" cy="523220"/>
+          </a:xfrm>
+          <a:prstGeom prst="rect">
+            <a:avLst/>
+          </a:prstGeom>
+          <a:noFill/>
+        </p:spPr>
+        <p:txBody>
+          <a:bodyPr wrap="square" rtlCol="0">
+            <a:spAutoFit/>
+          </a:bodyPr>
+          <a:lstStyle/>
+          <a:p>
+            <a:pPr algn="ctr"/>
+            <a:r>
+              <a:rPr lang="en-US" altLang="ja-JP" sz="2800" dirty="0"/>
+              <a:t>3</a:t>
+            </a:r>
+            <a:endParaRPr kumimoji="1" lang="ja-JP" altLang="en-US" sz="2800" dirty="0"/>
+          </a:p>
+        </p:txBody>
+      </p:sp>
+      <p:sp>
+        <p:nvSpPr>
+          <p:cNvPr id="50" name="テキスト ボックス 49"/>
+          <p:cNvSpPr txBox="1"/>
+          <p:nvPr/>
+        </p:nvSpPr>
+        <p:spPr>
+          <a:xfrm>
+            <a:off x="3961591" y="1289164"/>
+            <a:ext cx="496493" cy="523220"/>
+          </a:xfrm>
+          <a:prstGeom prst="rect">
+            <a:avLst/>
+          </a:prstGeom>
+          <a:noFill/>
+        </p:spPr>
+        <p:txBody>
+          <a:bodyPr wrap="square" rtlCol="0">
+            <a:spAutoFit/>
+          </a:bodyPr>
+          <a:lstStyle/>
+          <a:p>
+            <a:pPr algn="ctr"/>
+            <a:r>
+              <a:rPr lang="en-US" altLang="ja-JP" sz="2800" dirty="0" smtClean="0"/>
+              <a:t>4</a:t>
+            </a:r>
+            <a:endParaRPr kumimoji="1" lang="ja-JP" altLang="en-US" sz="2800" dirty="0"/>
+          </a:p>
+        </p:txBody>
+      </p:sp>
+      <p:sp>
+        <p:nvSpPr>
+          <p:cNvPr id="51" name="テキスト ボックス 50"/>
+          <p:cNvSpPr txBox="1"/>
+          <p:nvPr/>
+        </p:nvSpPr>
+        <p:spPr>
+          <a:xfrm>
+            <a:off x="4663240" y="1289164"/>
+            <a:ext cx="496493" cy="523220"/>
+          </a:xfrm>
+          <a:prstGeom prst="rect">
+            <a:avLst/>
+          </a:prstGeom>
+          <a:noFill/>
+        </p:spPr>
+        <p:txBody>
+          <a:bodyPr wrap="square" rtlCol="0">
+            <a:spAutoFit/>
+          </a:bodyPr>
+          <a:lstStyle/>
+          <a:p>
+            <a:pPr algn="ctr"/>
+            <a:r>
+              <a:rPr lang="en-US" altLang="ja-JP" sz="2800" dirty="0"/>
+              <a:t>5</a:t>
+            </a:r>
+            <a:endParaRPr kumimoji="1" lang="ja-JP" altLang="en-US" sz="2800" dirty="0"/>
+          </a:p>
+        </p:txBody>
+      </p:sp>
+      <p:sp>
+        <p:nvSpPr>
+          <p:cNvPr id="52" name="テキスト ボックス 51"/>
+          <p:cNvSpPr txBox="1"/>
+          <p:nvPr/>
+        </p:nvSpPr>
+        <p:spPr>
+          <a:xfrm>
+            <a:off x="5384215" y="1292294"/>
+            <a:ext cx="496493" cy="523220"/>
+          </a:xfrm>
+          <a:prstGeom prst="rect">
+            <a:avLst/>
+          </a:prstGeom>
+          <a:noFill/>
+        </p:spPr>
+        <p:txBody>
+          <a:bodyPr wrap="square" rtlCol="0">
+            <a:spAutoFit/>
+          </a:bodyPr>
+          <a:lstStyle/>
+          <a:p>
+            <a:pPr algn="ctr"/>
+            <a:r>
+              <a:rPr lang="en-US" altLang="ja-JP" sz="2800" dirty="0"/>
+              <a:t>6</a:t>
             </a:r>
             <a:endParaRPr kumimoji="1" lang="ja-JP" altLang="en-US" sz="2800" dirty="0"/>
           </a:p>

--- a/figures.pptx
+++ b/figures.pptx
@@ -4379,44 +4379,13 @@
       </p:grpSpPr>
       <p:sp>
         <p:nvSpPr>
-          <p:cNvPr id="6" name="テキスト ボックス 5"/>
-          <p:cNvSpPr txBox="1"/>
-          <p:nvPr/>
-        </p:nvSpPr>
-        <p:spPr>
-          <a:xfrm>
-            <a:off x="715907" y="728620"/>
-            <a:ext cx="463107" cy="523220"/>
-          </a:xfrm>
-          <a:prstGeom prst="rect">
-            <a:avLst/>
-          </a:prstGeom>
-          <a:noFill/>
-        </p:spPr>
-        <p:txBody>
-          <a:bodyPr wrap="square" rtlCol="0">
-            <a:spAutoFit/>
-          </a:bodyPr>
-          <a:lstStyle/>
-          <a:p>
-            <a:pPr algn="ctr"/>
-            <a:r>
-              <a:rPr kumimoji="1" lang="en-US" altLang="ja-JP" sz="2800" smtClean="0"/>
-              <a:t>2</a:t>
-            </a:r>
-            <a:endParaRPr kumimoji="1" lang="ja-JP" altLang="en-US" sz="2800" dirty="0"/>
-          </a:p>
-        </p:txBody>
-      </p:sp>
-      <p:sp>
-        <p:nvSpPr>
           <p:cNvPr id="14" name="正方形/長方形 13"/>
           <p:cNvSpPr/>
           <p:nvPr/>
         </p:nvSpPr>
         <p:spPr>
           <a:xfrm>
-            <a:off x="1699708" y="2969462"/>
+            <a:off x="1699708" y="1989415"/>
             <a:ext cx="715246" cy="520090"/>
           </a:xfrm>
           <a:prstGeom prst="rect">
@@ -4458,7 +4427,7 @@
         </p:nvSpPr>
         <p:spPr>
           <a:xfrm>
-            <a:off x="2414954" y="2969462"/>
+            <a:off x="2414954" y="1989415"/>
             <a:ext cx="715246" cy="520090"/>
           </a:xfrm>
           <a:prstGeom prst="rect">
@@ -4500,7 +4469,7 @@
         </p:nvSpPr>
         <p:spPr>
           <a:xfrm>
-            <a:off x="3130200" y="2969462"/>
+            <a:off x="3130200" y="1989415"/>
             <a:ext cx="715246" cy="520090"/>
           </a:xfrm>
           <a:prstGeom prst="rect">
@@ -4542,7 +4511,7 @@
         </p:nvSpPr>
         <p:spPr>
           <a:xfrm>
-            <a:off x="3845722" y="2969462"/>
+            <a:off x="3845722" y="1989415"/>
             <a:ext cx="715246" cy="520090"/>
           </a:xfrm>
           <a:prstGeom prst="rect">
@@ -4584,7 +4553,7 @@
         </p:nvSpPr>
         <p:spPr>
           <a:xfrm>
-            <a:off x="4560968" y="2969462"/>
+            <a:off x="4560968" y="1989415"/>
             <a:ext cx="715246" cy="520090"/>
           </a:xfrm>
           <a:prstGeom prst="rect">
@@ -4626,7 +4595,7 @@
         </p:nvSpPr>
         <p:spPr>
           <a:xfrm>
-            <a:off x="5276214" y="2969462"/>
+            <a:off x="5276214" y="1989415"/>
             <a:ext cx="715246" cy="520090"/>
           </a:xfrm>
           <a:prstGeom prst="rect">
@@ -4668,7 +4637,7 @@
         </p:nvSpPr>
         <p:spPr>
           <a:xfrm>
-            <a:off x="1804396" y="2966332"/>
+            <a:off x="1804396" y="1986285"/>
             <a:ext cx="496493" cy="523220"/>
           </a:xfrm>
           <a:prstGeom prst="rect">
@@ -4699,7 +4668,7 @@
         </p:nvSpPr>
         <p:spPr>
           <a:xfrm>
-            <a:off x="2524330" y="2971021"/>
+            <a:off x="2524330" y="1990974"/>
             <a:ext cx="496493" cy="523220"/>
           </a:xfrm>
           <a:prstGeom prst="rect">
@@ -4730,7 +4699,7 @@
         </p:nvSpPr>
         <p:spPr>
           <a:xfrm>
-            <a:off x="3245305" y="2971021"/>
+            <a:off x="3245305" y="1990974"/>
             <a:ext cx="496493" cy="523220"/>
           </a:xfrm>
           <a:prstGeom prst="rect">
@@ -4761,7 +4730,7 @@
         </p:nvSpPr>
         <p:spPr>
           <a:xfrm>
-            <a:off x="3961591" y="2966332"/>
+            <a:off x="3961591" y="1986285"/>
             <a:ext cx="496493" cy="523220"/>
           </a:xfrm>
           <a:prstGeom prst="rect">
@@ -4792,7 +4761,7 @@
         </p:nvSpPr>
         <p:spPr>
           <a:xfrm>
-            <a:off x="267146" y="2984147"/>
+            <a:off x="267146" y="2004100"/>
             <a:ext cx="1134932" cy="523220"/>
           </a:xfrm>
           <a:prstGeom prst="rect">
@@ -4823,7 +4792,7 @@
         </p:nvSpPr>
         <p:spPr>
           <a:xfrm>
-            <a:off x="267146" y="2001755"/>
+            <a:off x="267146" y="1021708"/>
             <a:ext cx="1134932" cy="523220"/>
           </a:xfrm>
           <a:prstGeom prst="rect">
@@ -4854,7 +4823,7 @@
         </p:nvSpPr>
         <p:spPr>
           <a:xfrm>
-            <a:off x="4663240" y="2966332"/>
+            <a:off x="4663240" y="1986285"/>
             <a:ext cx="496493" cy="523220"/>
           </a:xfrm>
           <a:prstGeom prst="rect">
@@ -4885,7 +4854,7 @@
         </p:nvSpPr>
         <p:spPr>
           <a:xfrm>
-            <a:off x="5384215" y="2969462"/>
+            <a:off x="5384215" y="1989415"/>
             <a:ext cx="496493" cy="523220"/>
           </a:xfrm>
           <a:prstGeom prst="rect">
@@ -4916,7 +4885,7 @@
         </p:nvSpPr>
         <p:spPr>
           <a:xfrm>
-            <a:off x="1699708" y="1996447"/>
+            <a:off x="1699708" y="1016400"/>
             <a:ext cx="715246" cy="520090"/>
           </a:xfrm>
           <a:prstGeom prst="rect">
@@ -4958,7 +4927,7 @@
         </p:nvSpPr>
         <p:spPr>
           <a:xfrm>
-            <a:off x="2414954" y="1996447"/>
+            <a:off x="2414954" y="1016400"/>
             <a:ext cx="715246" cy="520090"/>
           </a:xfrm>
           <a:prstGeom prst="rect">
@@ -5000,7 +4969,7 @@
         </p:nvSpPr>
         <p:spPr>
           <a:xfrm>
-            <a:off x="3130200" y="1996447"/>
+            <a:off x="3130200" y="1016400"/>
             <a:ext cx="715246" cy="520090"/>
           </a:xfrm>
           <a:prstGeom prst="rect">
@@ -5042,7 +5011,7 @@
         </p:nvSpPr>
         <p:spPr>
           <a:xfrm>
-            <a:off x="3845722" y="1996447"/>
+            <a:off x="3845722" y="1016400"/>
             <a:ext cx="715246" cy="520090"/>
           </a:xfrm>
           <a:prstGeom prst="rect">
@@ -5084,7 +5053,7 @@
         </p:nvSpPr>
         <p:spPr>
           <a:xfrm>
-            <a:off x="4560968" y="1996447"/>
+            <a:off x="4560968" y="1016400"/>
             <a:ext cx="715246" cy="520090"/>
           </a:xfrm>
           <a:prstGeom prst="rect">
@@ -5126,7 +5095,7 @@
         </p:nvSpPr>
         <p:spPr>
           <a:xfrm>
-            <a:off x="5276214" y="1996447"/>
+            <a:off x="5276214" y="1016400"/>
             <a:ext cx="715246" cy="520090"/>
           </a:xfrm>
           <a:prstGeom prst="rect">
@@ -5168,7 +5137,7 @@
         </p:nvSpPr>
         <p:spPr>
           <a:xfrm>
-            <a:off x="1804396" y="1993317"/>
+            <a:off x="1804396" y="1013270"/>
             <a:ext cx="496493" cy="523220"/>
           </a:xfrm>
           <a:prstGeom prst="rect">
@@ -5199,7 +5168,7 @@
         </p:nvSpPr>
         <p:spPr>
           <a:xfrm>
-            <a:off x="2524330" y="1998006"/>
+            <a:off x="2524330" y="1017959"/>
             <a:ext cx="496493" cy="523220"/>
           </a:xfrm>
           <a:prstGeom prst="rect">
@@ -5215,8 +5184,8 @@
           <a:p>
             <a:pPr algn="ctr"/>
             <a:r>
-              <a:rPr lang="en-US" altLang="ja-JP" sz="2800" dirty="0" smtClean="0"/>
-              <a:t>2</a:t>
+              <a:rPr lang="en-US" altLang="ja-JP" sz="2800" dirty="0"/>
+              <a:t>1</a:t>
             </a:r>
             <a:endParaRPr kumimoji="1" lang="ja-JP" altLang="en-US" sz="2800" dirty="0"/>
           </a:p>
@@ -5230,7 +5199,7 @@
         </p:nvSpPr>
         <p:spPr>
           <a:xfrm>
-            <a:off x="3245305" y="1998006"/>
+            <a:off x="3245305" y="1017959"/>
             <a:ext cx="496493" cy="523220"/>
           </a:xfrm>
           <a:prstGeom prst="rect">
@@ -5247,7 +5216,7 @@
             <a:pPr algn="ctr"/>
             <a:r>
               <a:rPr lang="en-US" altLang="ja-JP" sz="2800" dirty="0"/>
-              <a:t>3</a:t>
+              <a:t>0</a:t>
             </a:r>
             <a:endParaRPr kumimoji="1" lang="ja-JP" altLang="en-US" sz="2800" dirty="0"/>
           </a:p>
@@ -5261,7 +5230,7 @@
         </p:nvSpPr>
         <p:spPr>
           <a:xfrm>
-            <a:off x="3961591" y="1993317"/>
+            <a:off x="3961591" y="1013270"/>
             <a:ext cx="496493" cy="523220"/>
           </a:xfrm>
           <a:prstGeom prst="rect">
@@ -5277,8 +5246,8 @@
           <a:p>
             <a:pPr algn="ctr"/>
             <a:r>
-              <a:rPr lang="en-US" altLang="ja-JP" sz="2800" dirty="0" smtClean="0"/>
-              <a:t>4</a:t>
+              <a:rPr lang="en-US" altLang="ja-JP" sz="2800" dirty="0"/>
+              <a:t>1</a:t>
             </a:r>
             <a:endParaRPr kumimoji="1" lang="ja-JP" altLang="en-US" sz="2800" dirty="0"/>
           </a:p>
@@ -5292,7 +5261,7 @@
         </p:nvSpPr>
         <p:spPr>
           <a:xfrm>
-            <a:off x="4663240" y="1993317"/>
+            <a:off x="4663240" y="1013270"/>
             <a:ext cx="496493" cy="523220"/>
           </a:xfrm>
           <a:prstGeom prst="rect">
@@ -5309,7 +5278,7 @@
             <a:pPr algn="ctr"/>
             <a:r>
               <a:rPr lang="en-US" altLang="ja-JP" sz="2800" dirty="0"/>
-              <a:t>5</a:t>
+              <a:t>2</a:t>
             </a:r>
             <a:endParaRPr kumimoji="1" lang="ja-JP" altLang="en-US" sz="2800" dirty="0"/>
           </a:p>
@@ -5323,7 +5292,7 @@
         </p:nvSpPr>
         <p:spPr>
           <a:xfrm>
-            <a:off x="5384215" y="1996447"/>
+            <a:off x="5384215" y="1016400"/>
             <a:ext cx="496493" cy="523220"/>
           </a:xfrm>
           <a:prstGeom prst="rect">
@@ -5340,7 +5309,7 @@
             <a:pPr algn="ctr"/>
             <a:r>
               <a:rPr lang="en-US" altLang="ja-JP" sz="2800" dirty="0"/>
-              <a:t>6</a:t>
+              <a:t>3</a:t>
             </a:r>
             <a:endParaRPr kumimoji="1" lang="ja-JP" altLang="en-US" sz="2800" dirty="0"/>
           </a:p>
@@ -5354,7 +5323,7 @@
         </p:nvSpPr>
         <p:spPr>
           <a:xfrm>
-            <a:off x="1804396" y="1289164"/>
+            <a:off x="1804396" y="309117"/>
             <a:ext cx="496493" cy="523220"/>
           </a:xfrm>
           <a:prstGeom prst="rect">
@@ -5385,7 +5354,7 @@
         </p:nvSpPr>
         <p:spPr>
           <a:xfrm>
-            <a:off x="2524330" y="1293853"/>
+            <a:off x="2524330" y="313806"/>
             <a:ext cx="496493" cy="523220"/>
           </a:xfrm>
           <a:prstGeom prst="rect">
@@ -5416,7 +5385,7 @@
         </p:nvSpPr>
         <p:spPr>
           <a:xfrm>
-            <a:off x="3245305" y="1293853"/>
+            <a:off x="3245305" y="313806"/>
             <a:ext cx="496493" cy="523220"/>
           </a:xfrm>
           <a:prstGeom prst="rect">
@@ -5447,7 +5416,7 @@
         </p:nvSpPr>
         <p:spPr>
           <a:xfrm>
-            <a:off x="3961591" y="1289164"/>
+            <a:off x="3961591" y="309117"/>
             <a:ext cx="496493" cy="523220"/>
           </a:xfrm>
           <a:prstGeom prst="rect">
@@ -5478,7 +5447,7 @@
         </p:nvSpPr>
         <p:spPr>
           <a:xfrm>
-            <a:off x="4663240" y="1289164"/>
+            <a:off x="4663240" y="309117"/>
             <a:ext cx="496493" cy="523220"/>
           </a:xfrm>
           <a:prstGeom prst="rect">
@@ -5509,7 +5478,7 @@
         </p:nvSpPr>
         <p:spPr>
           <a:xfrm>
-            <a:off x="5384215" y="1292294"/>
+            <a:off x="5384215" y="312247"/>
             <a:ext cx="496493" cy="523220"/>
           </a:xfrm>
           <a:prstGeom prst="rect">
@@ -5529,6 +5498,992 @@
               <a:t>6</a:t>
             </a:r>
             <a:endParaRPr kumimoji="1" lang="ja-JP" altLang="en-US" sz="2800" dirty="0"/>
+          </a:p>
+        </p:txBody>
+      </p:sp>
+      <p:sp>
+        <p:nvSpPr>
+          <p:cNvPr id="78" name="楕円 77"/>
+          <p:cNvSpPr/>
+          <p:nvPr/>
+        </p:nvSpPr>
+        <p:spPr>
+          <a:xfrm>
+            <a:off x="7143110" y="2982703"/>
+            <a:ext cx="418375" cy="418375"/>
+          </a:xfrm>
+          <a:prstGeom prst="ellipse">
+            <a:avLst/>
+          </a:prstGeom>
+          <a:noFill/>
+          <a:ln w="31750"/>
+        </p:spPr>
+        <p:style>
+          <a:lnRef idx="2">
+            <a:schemeClr val="accent1">
+              <a:shade val="50000"/>
+            </a:schemeClr>
+          </a:lnRef>
+          <a:fillRef idx="1">
+            <a:schemeClr val="accent1"/>
+          </a:fillRef>
+          <a:effectRef idx="0">
+            <a:schemeClr val="accent1"/>
+          </a:effectRef>
+          <a:fontRef idx="minor">
+            <a:schemeClr val="lt1"/>
+          </a:fontRef>
+        </p:style>
+        <p:txBody>
+          <a:bodyPr rtlCol="0" anchor="ctr"/>
+          <a:lstStyle/>
+          <a:p>
+            <a:pPr algn="ctr"/>
+            <a:endParaRPr kumimoji="1" lang="ja-JP" altLang="en-US"/>
+          </a:p>
+        </p:txBody>
+      </p:sp>
+      <p:sp>
+        <p:nvSpPr>
+          <p:cNvPr id="79" name="テキスト ボックス 78"/>
+          <p:cNvSpPr txBox="1"/>
+          <p:nvPr/>
+        </p:nvSpPr>
+        <p:spPr>
+          <a:xfrm>
+            <a:off x="6461381" y="3058456"/>
+            <a:ext cx="564854" cy="523220"/>
+          </a:xfrm>
+          <a:prstGeom prst="rect">
+            <a:avLst/>
+          </a:prstGeom>
+          <a:noFill/>
+        </p:spPr>
+        <p:txBody>
+          <a:bodyPr wrap="square" rtlCol="0">
+            <a:spAutoFit/>
+          </a:bodyPr>
+          <a:lstStyle/>
+          <a:p>
+            <a:pPr algn="ctr"/>
+            <a:r>
+              <a:rPr lang="en-US" altLang="ja-JP" sz="2800" dirty="0" smtClean="0"/>
+              <a:t>1</a:t>
+            </a:r>
+            <a:endParaRPr kumimoji="1" lang="ja-JP" altLang="en-US" sz="2800" dirty="0"/>
+          </a:p>
+        </p:txBody>
+      </p:sp>
+      <p:cxnSp>
+        <p:nvCxnSpPr>
+          <p:cNvPr id="80" name="直線コネクタ 79"/>
+          <p:cNvCxnSpPr>
+            <a:stCxn id="78" idx="3"/>
+            <a:endCxn id="81" idx="0"/>
+          </p:cNvCxnSpPr>
+          <p:nvPr/>
+        </p:nvCxnSpPr>
+        <p:spPr>
+          <a:xfrm flipH="1">
+            <a:off x="6670569" y="3339808"/>
+            <a:ext cx="533811" cy="447141"/>
+          </a:xfrm>
+          <a:prstGeom prst="line">
+            <a:avLst/>
+          </a:prstGeom>
+          <a:ln w="31750">
+            <a:tailEnd type="arrow"/>
+          </a:ln>
+        </p:spPr>
+        <p:style>
+          <a:lnRef idx="1">
+            <a:schemeClr val="accent1"/>
+          </a:lnRef>
+          <a:fillRef idx="0">
+            <a:schemeClr val="accent1"/>
+          </a:fillRef>
+          <a:effectRef idx="0">
+            <a:schemeClr val="accent1"/>
+          </a:effectRef>
+          <a:fontRef idx="minor">
+            <a:schemeClr val="tx1"/>
+          </a:fontRef>
+        </p:style>
+      </p:cxnSp>
+      <p:sp>
+        <p:nvSpPr>
+          <p:cNvPr id="81" name="楕円 80"/>
+          <p:cNvSpPr/>
+          <p:nvPr/>
+        </p:nvSpPr>
+        <p:spPr>
+          <a:xfrm>
+            <a:off x="6461381" y="3786949"/>
+            <a:ext cx="418375" cy="418375"/>
+          </a:xfrm>
+          <a:prstGeom prst="ellipse">
+            <a:avLst/>
+          </a:prstGeom>
+          <a:noFill/>
+          <a:ln w="31750"/>
+        </p:spPr>
+        <p:style>
+          <a:lnRef idx="2">
+            <a:schemeClr val="accent1">
+              <a:shade val="50000"/>
+            </a:schemeClr>
+          </a:lnRef>
+          <a:fillRef idx="1">
+            <a:schemeClr val="accent1"/>
+          </a:fillRef>
+          <a:effectRef idx="0">
+            <a:schemeClr val="accent1"/>
+          </a:effectRef>
+          <a:fontRef idx="minor">
+            <a:schemeClr val="lt1"/>
+          </a:fontRef>
+        </p:style>
+        <p:txBody>
+          <a:bodyPr rtlCol="0" anchor="ctr"/>
+          <a:lstStyle/>
+          <a:p>
+            <a:pPr algn="ctr"/>
+            <a:endParaRPr kumimoji="1" lang="ja-JP" altLang="en-US"/>
+          </a:p>
+        </p:txBody>
+      </p:sp>
+      <p:cxnSp>
+        <p:nvCxnSpPr>
+          <p:cNvPr id="84" name="直線コネクタ 83"/>
+          <p:cNvCxnSpPr>
+            <a:stCxn id="81" idx="3"/>
+            <a:endCxn id="85" idx="0"/>
+          </p:cNvCxnSpPr>
+          <p:nvPr/>
+        </p:nvCxnSpPr>
+        <p:spPr>
+          <a:xfrm flipH="1">
+            <a:off x="6019464" y="4144054"/>
+            <a:ext cx="503187" cy="300625"/>
+          </a:xfrm>
+          <a:prstGeom prst="line">
+            <a:avLst/>
+          </a:prstGeom>
+          <a:ln w="31750">
+            <a:tailEnd type="arrow"/>
+          </a:ln>
+        </p:spPr>
+        <p:style>
+          <a:lnRef idx="1">
+            <a:schemeClr val="accent1"/>
+          </a:lnRef>
+          <a:fillRef idx="0">
+            <a:schemeClr val="accent1"/>
+          </a:fillRef>
+          <a:effectRef idx="0">
+            <a:schemeClr val="accent1"/>
+          </a:effectRef>
+          <a:fontRef idx="minor">
+            <a:schemeClr val="tx1"/>
+          </a:fontRef>
+        </p:style>
+      </p:cxnSp>
+      <p:sp>
+        <p:nvSpPr>
+          <p:cNvPr id="85" name="楕円 84"/>
+          <p:cNvSpPr/>
+          <p:nvPr/>
+        </p:nvSpPr>
+        <p:spPr>
+          <a:xfrm>
+            <a:off x="5810276" y="4444679"/>
+            <a:ext cx="418375" cy="418375"/>
+          </a:xfrm>
+          <a:prstGeom prst="ellipse">
+            <a:avLst/>
+          </a:prstGeom>
+          <a:noFill/>
+          <a:ln w="31750"/>
+        </p:spPr>
+        <p:style>
+          <a:lnRef idx="2">
+            <a:schemeClr val="accent1">
+              <a:shade val="50000"/>
+            </a:schemeClr>
+          </a:lnRef>
+          <a:fillRef idx="1">
+            <a:schemeClr val="accent1"/>
+          </a:fillRef>
+          <a:effectRef idx="0">
+            <a:schemeClr val="accent1"/>
+          </a:effectRef>
+          <a:fontRef idx="minor">
+            <a:schemeClr val="lt1"/>
+          </a:fontRef>
+        </p:style>
+        <p:txBody>
+          <a:bodyPr rtlCol="0" anchor="ctr"/>
+          <a:lstStyle/>
+          <a:p>
+            <a:pPr algn="ctr"/>
+            <a:endParaRPr kumimoji="1" lang="ja-JP" altLang="en-US"/>
+          </a:p>
+        </p:txBody>
+      </p:sp>
+      <p:sp>
+        <p:nvSpPr>
+          <p:cNvPr id="86" name="テキスト ボックス 85"/>
+          <p:cNvSpPr txBox="1"/>
+          <p:nvPr/>
+        </p:nvSpPr>
+        <p:spPr>
+          <a:xfrm>
+            <a:off x="5917840" y="3690223"/>
+            <a:ext cx="432090" cy="523220"/>
+          </a:xfrm>
+          <a:prstGeom prst="rect">
+            <a:avLst/>
+          </a:prstGeom>
+          <a:noFill/>
+        </p:spPr>
+        <p:txBody>
+          <a:bodyPr wrap="square" rtlCol="0">
+            <a:spAutoFit/>
+          </a:bodyPr>
+          <a:lstStyle/>
+          <a:p>
+            <a:pPr algn="ctr"/>
+            <a:r>
+              <a:rPr lang="en-US" altLang="ja-JP" sz="2800" dirty="0"/>
+              <a:t>2</a:t>
+            </a:r>
+            <a:endParaRPr kumimoji="1" lang="ja-JP" altLang="en-US" sz="2800" dirty="0"/>
+          </a:p>
+        </p:txBody>
+      </p:sp>
+      <p:cxnSp>
+        <p:nvCxnSpPr>
+          <p:cNvPr id="89" name="直線コネクタ 88"/>
+          <p:cNvCxnSpPr>
+            <a:stCxn id="85" idx="3"/>
+            <a:endCxn id="90" idx="0"/>
+          </p:cNvCxnSpPr>
+          <p:nvPr/>
+        </p:nvCxnSpPr>
+        <p:spPr>
+          <a:xfrm flipH="1">
+            <a:off x="5164305" y="4801784"/>
+            <a:ext cx="707241" cy="482437"/>
+          </a:xfrm>
+          <a:prstGeom prst="line">
+            <a:avLst/>
+          </a:prstGeom>
+          <a:ln w="31750">
+            <a:tailEnd type="arrow"/>
+          </a:ln>
+        </p:spPr>
+        <p:style>
+          <a:lnRef idx="1">
+            <a:schemeClr val="accent1"/>
+          </a:lnRef>
+          <a:fillRef idx="0">
+            <a:schemeClr val="accent1"/>
+          </a:fillRef>
+          <a:effectRef idx="0">
+            <a:schemeClr val="accent1"/>
+          </a:effectRef>
+          <a:fontRef idx="minor">
+            <a:schemeClr val="tx1"/>
+          </a:fontRef>
+        </p:style>
+      </p:cxnSp>
+      <p:sp>
+        <p:nvSpPr>
+          <p:cNvPr id="90" name="楕円 89"/>
+          <p:cNvSpPr/>
+          <p:nvPr/>
+        </p:nvSpPr>
+        <p:spPr>
+          <a:xfrm>
+            <a:off x="4955117" y="5284221"/>
+            <a:ext cx="418375" cy="418375"/>
+          </a:xfrm>
+          <a:prstGeom prst="ellipse">
+            <a:avLst/>
+          </a:prstGeom>
+          <a:noFill/>
+          <a:ln w="31750"/>
+        </p:spPr>
+        <p:style>
+          <a:lnRef idx="2">
+            <a:schemeClr val="accent1">
+              <a:shade val="50000"/>
+            </a:schemeClr>
+          </a:lnRef>
+          <a:fillRef idx="1">
+            <a:schemeClr val="accent1"/>
+          </a:fillRef>
+          <a:effectRef idx="0">
+            <a:schemeClr val="accent1"/>
+          </a:effectRef>
+          <a:fontRef idx="minor">
+            <a:schemeClr val="lt1"/>
+          </a:fontRef>
+        </p:style>
+        <p:txBody>
+          <a:bodyPr rtlCol="0" anchor="ctr"/>
+          <a:lstStyle/>
+          <a:p>
+            <a:pPr algn="ctr"/>
+            <a:endParaRPr kumimoji="1" lang="ja-JP" altLang="en-US"/>
+          </a:p>
+        </p:txBody>
+      </p:sp>
+      <p:sp>
+        <p:nvSpPr>
+          <p:cNvPr id="91" name="テキスト ボックス 90"/>
+          <p:cNvSpPr txBox="1"/>
+          <p:nvPr/>
+        </p:nvSpPr>
+        <p:spPr>
+          <a:xfrm>
+            <a:off x="5159733" y="4516710"/>
+            <a:ext cx="463107" cy="523220"/>
+          </a:xfrm>
+          <a:prstGeom prst="rect">
+            <a:avLst/>
+          </a:prstGeom>
+          <a:noFill/>
+        </p:spPr>
+        <p:txBody>
+          <a:bodyPr wrap="square" rtlCol="0">
+            <a:spAutoFit/>
+          </a:bodyPr>
+          <a:lstStyle/>
+          <a:p>
+            <a:pPr algn="ctr"/>
+            <a:r>
+              <a:rPr lang="en-US" altLang="ja-JP" sz="2800" dirty="0"/>
+              <a:t>4</a:t>
+            </a:r>
+            <a:endParaRPr kumimoji="1" lang="ja-JP" altLang="en-US" sz="2800" dirty="0"/>
+          </a:p>
+        </p:txBody>
+      </p:sp>
+      <p:cxnSp>
+        <p:nvCxnSpPr>
+          <p:cNvPr id="92" name="直線コネクタ 91"/>
+          <p:cNvCxnSpPr>
+            <a:stCxn id="85" idx="4"/>
+            <a:endCxn id="93" idx="0"/>
+          </p:cNvCxnSpPr>
+          <p:nvPr/>
+        </p:nvCxnSpPr>
+        <p:spPr>
+          <a:xfrm flipH="1">
+            <a:off x="6019074" y="4863054"/>
+            <a:ext cx="390" cy="675929"/>
+          </a:xfrm>
+          <a:prstGeom prst="line">
+            <a:avLst/>
+          </a:prstGeom>
+          <a:ln w="31750">
+            <a:tailEnd type="arrow"/>
+          </a:ln>
+        </p:spPr>
+        <p:style>
+          <a:lnRef idx="1">
+            <a:schemeClr val="accent1"/>
+          </a:lnRef>
+          <a:fillRef idx="0">
+            <a:schemeClr val="accent1"/>
+          </a:fillRef>
+          <a:effectRef idx="0">
+            <a:schemeClr val="accent1"/>
+          </a:effectRef>
+          <a:fontRef idx="minor">
+            <a:schemeClr val="tx1"/>
+          </a:fontRef>
+        </p:style>
+      </p:cxnSp>
+      <p:sp>
+        <p:nvSpPr>
+          <p:cNvPr id="93" name="楕円 92"/>
+          <p:cNvSpPr/>
+          <p:nvPr/>
+        </p:nvSpPr>
+        <p:spPr>
+          <a:xfrm>
+            <a:off x="5809886" y="5538983"/>
+            <a:ext cx="418375" cy="418375"/>
+          </a:xfrm>
+          <a:prstGeom prst="ellipse">
+            <a:avLst/>
+          </a:prstGeom>
+          <a:noFill/>
+          <a:ln w="31750"/>
+        </p:spPr>
+        <p:style>
+          <a:lnRef idx="2">
+            <a:schemeClr val="accent1">
+              <a:shade val="50000"/>
+            </a:schemeClr>
+          </a:lnRef>
+          <a:fillRef idx="1">
+            <a:schemeClr val="accent1"/>
+          </a:fillRef>
+          <a:effectRef idx="0">
+            <a:schemeClr val="accent1"/>
+          </a:effectRef>
+          <a:fontRef idx="minor">
+            <a:schemeClr val="lt1"/>
+          </a:fontRef>
+        </p:style>
+        <p:txBody>
+          <a:bodyPr rtlCol="0" anchor="ctr"/>
+          <a:lstStyle/>
+          <a:p>
+            <a:pPr algn="ctr"/>
+            <a:endParaRPr kumimoji="1" lang="ja-JP" altLang="en-US"/>
+          </a:p>
+        </p:txBody>
+      </p:sp>
+      <p:sp>
+        <p:nvSpPr>
+          <p:cNvPr id="94" name="テキスト ボックス 93"/>
+          <p:cNvSpPr txBox="1"/>
+          <p:nvPr/>
+        </p:nvSpPr>
+        <p:spPr>
+          <a:xfrm>
+            <a:off x="5537584" y="4926275"/>
+            <a:ext cx="463107" cy="523220"/>
+          </a:xfrm>
+          <a:prstGeom prst="rect">
+            <a:avLst/>
+          </a:prstGeom>
+          <a:noFill/>
+        </p:spPr>
+        <p:txBody>
+          <a:bodyPr wrap="square" rtlCol="0">
+            <a:spAutoFit/>
+          </a:bodyPr>
+          <a:lstStyle/>
+          <a:p>
+            <a:pPr algn="ctr"/>
+            <a:r>
+              <a:rPr lang="en-US" altLang="ja-JP" sz="2800" dirty="0"/>
+              <a:t>5</a:t>
+            </a:r>
+            <a:endParaRPr kumimoji="1" lang="ja-JP" altLang="en-US" sz="2800" dirty="0"/>
+          </a:p>
+        </p:txBody>
+      </p:sp>
+      <p:cxnSp>
+        <p:nvCxnSpPr>
+          <p:cNvPr id="95" name="直線コネクタ 94"/>
+          <p:cNvCxnSpPr>
+            <a:stCxn id="85" idx="5"/>
+            <a:endCxn id="96" idx="0"/>
+          </p:cNvCxnSpPr>
+          <p:nvPr/>
+        </p:nvCxnSpPr>
+        <p:spPr>
+          <a:xfrm>
+            <a:off x="6167381" y="4801784"/>
+            <a:ext cx="595752" cy="482436"/>
+          </a:xfrm>
+          <a:prstGeom prst="line">
+            <a:avLst/>
+          </a:prstGeom>
+          <a:ln w="31750">
+            <a:tailEnd type="arrow"/>
+          </a:ln>
+        </p:spPr>
+        <p:style>
+          <a:lnRef idx="1">
+            <a:schemeClr val="accent1"/>
+          </a:lnRef>
+          <a:fillRef idx="0">
+            <a:schemeClr val="accent1"/>
+          </a:fillRef>
+          <a:effectRef idx="0">
+            <a:schemeClr val="accent1"/>
+          </a:effectRef>
+          <a:fontRef idx="minor">
+            <a:schemeClr val="tx1"/>
+          </a:fontRef>
+        </p:style>
+      </p:cxnSp>
+      <p:sp>
+        <p:nvSpPr>
+          <p:cNvPr id="96" name="楕円 95"/>
+          <p:cNvSpPr/>
+          <p:nvPr/>
+        </p:nvSpPr>
+        <p:spPr>
+          <a:xfrm>
+            <a:off x="6553945" y="5284220"/>
+            <a:ext cx="418375" cy="418375"/>
+          </a:xfrm>
+          <a:prstGeom prst="ellipse">
+            <a:avLst/>
+          </a:prstGeom>
+          <a:noFill/>
+          <a:ln w="31750"/>
+        </p:spPr>
+        <p:style>
+          <a:lnRef idx="2">
+            <a:schemeClr val="accent1">
+              <a:shade val="50000"/>
+            </a:schemeClr>
+          </a:lnRef>
+          <a:fillRef idx="1">
+            <a:schemeClr val="accent1"/>
+          </a:fillRef>
+          <a:effectRef idx="0">
+            <a:schemeClr val="accent1"/>
+          </a:effectRef>
+          <a:fontRef idx="minor">
+            <a:schemeClr val="lt1"/>
+          </a:fontRef>
+        </p:style>
+        <p:txBody>
+          <a:bodyPr rtlCol="0" anchor="ctr"/>
+          <a:lstStyle/>
+          <a:p>
+            <a:pPr algn="ctr"/>
+            <a:endParaRPr kumimoji="1" lang="ja-JP" altLang="en-US"/>
+          </a:p>
+        </p:txBody>
+      </p:sp>
+      <p:sp>
+        <p:nvSpPr>
+          <p:cNvPr id="97" name="テキスト ボックス 96"/>
+          <p:cNvSpPr txBox="1"/>
+          <p:nvPr/>
+        </p:nvSpPr>
+        <p:spPr>
+          <a:xfrm>
+            <a:off x="6388778" y="4484164"/>
+            <a:ext cx="463107" cy="523220"/>
+          </a:xfrm>
+          <a:prstGeom prst="rect">
+            <a:avLst/>
+          </a:prstGeom>
+          <a:noFill/>
+        </p:spPr>
+        <p:txBody>
+          <a:bodyPr wrap="square" rtlCol="0">
+            <a:spAutoFit/>
+          </a:bodyPr>
+          <a:lstStyle/>
+          <a:p>
+            <a:pPr algn="ctr"/>
+            <a:r>
+              <a:rPr lang="en-US" altLang="ja-JP" sz="2800" dirty="0"/>
+              <a:t>6</a:t>
+            </a:r>
+            <a:endParaRPr kumimoji="1" lang="ja-JP" altLang="en-US" sz="2800" dirty="0"/>
+          </a:p>
+        </p:txBody>
+      </p:sp>
+      <p:sp>
+        <p:nvSpPr>
+          <p:cNvPr id="98" name="テキスト ボックス 97"/>
+          <p:cNvSpPr txBox="1"/>
+          <p:nvPr/>
+        </p:nvSpPr>
+        <p:spPr>
+          <a:xfrm>
+            <a:off x="4866146" y="6121481"/>
+            <a:ext cx="587173" cy="523220"/>
+          </a:xfrm>
+          <a:prstGeom prst="rect">
+            <a:avLst/>
+          </a:prstGeom>
+          <a:noFill/>
+        </p:spPr>
+        <p:txBody>
+          <a:bodyPr wrap="square" rtlCol="0">
+            <a:spAutoFit/>
+          </a:bodyPr>
+          <a:lstStyle/>
+          <a:p>
+            <a:pPr algn="ctr"/>
+            <a:r>
+              <a:rPr lang="en-US" altLang="ja-JP" sz="2800" dirty="0" smtClean="0"/>
+              <a:t>1</a:t>
+            </a:r>
+            <a:endParaRPr kumimoji="1" lang="ja-JP" altLang="en-US" sz="2800" dirty="0"/>
+          </a:p>
+        </p:txBody>
+      </p:sp>
+      <p:sp>
+        <p:nvSpPr>
+          <p:cNvPr id="99" name="テキスト ボックス 98"/>
+          <p:cNvSpPr txBox="1"/>
+          <p:nvPr/>
+        </p:nvSpPr>
+        <p:spPr>
+          <a:xfrm>
+            <a:off x="5725486" y="6269912"/>
+            <a:ext cx="587173" cy="523220"/>
+          </a:xfrm>
+          <a:prstGeom prst="rect">
+            <a:avLst/>
+          </a:prstGeom>
+          <a:noFill/>
+        </p:spPr>
+        <p:txBody>
+          <a:bodyPr wrap="square" rtlCol="0">
+            <a:spAutoFit/>
+          </a:bodyPr>
+          <a:lstStyle/>
+          <a:p>
+            <a:pPr algn="ctr"/>
+            <a:r>
+              <a:rPr lang="en-US" altLang="ja-JP" sz="2800" dirty="0" smtClean="0"/>
+              <a:t>2</a:t>
+            </a:r>
+            <a:endParaRPr kumimoji="1" lang="ja-JP" altLang="en-US" sz="2800" dirty="0"/>
+          </a:p>
+        </p:txBody>
+      </p:sp>
+      <p:sp>
+        <p:nvSpPr>
+          <p:cNvPr id="100" name="テキスト ボックス 99"/>
+          <p:cNvSpPr txBox="1"/>
+          <p:nvPr/>
+        </p:nvSpPr>
+        <p:spPr>
+          <a:xfrm>
+            <a:off x="6477394" y="6051555"/>
+            <a:ext cx="587173" cy="523220"/>
+          </a:xfrm>
+          <a:prstGeom prst="rect">
+            <a:avLst/>
+          </a:prstGeom>
+          <a:noFill/>
+        </p:spPr>
+        <p:txBody>
+          <a:bodyPr wrap="square" rtlCol="0">
+            <a:spAutoFit/>
+          </a:bodyPr>
+          <a:lstStyle/>
+          <a:p>
+            <a:pPr algn="ctr"/>
+            <a:r>
+              <a:rPr lang="en-US" altLang="ja-JP" sz="2800" dirty="0" smtClean="0"/>
+              <a:t>3</a:t>
+            </a:r>
+            <a:endParaRPr kumimoji="1" lang="ja-JP" altLang="en-US" sz="2800" dirty="0"/>
+          </a:p>
+        </p:txBody>
+      </p:sp>
+      <p:sp>
+        <p:nvSpPr>
+          <p:cNvPr id="109" name="テキスト ボックス 108"/>
+          <p:cNvSpPr txBox="1"/>
+          <p:nvPr/>
+        </p:nvSpPr>
+        <p:spPr>
+          <a:xfrm>
+            <a:off x="7073946" y="2950986"/>
+            <a:ext cx="564854" cy="461665"/>
+          </a:xfrm>
+          <a:prstGeom prst="rect">
+            <a:avLst/>
+          </a:prstGeom>
+          <a:noFill/>
+        </p:spPr>
+        <p:txBody>
+          <a:bodyPr wrap="square" rtlCol="0">
+            <a:spAutoFit/>
+          </a:bodyPr>
+          <a:lstStyle/>
+          <a:p>
+            <a:pPr algn="ctr"/>
+            <a:r>
+              <a:rPr lang="en-US" altLang="ja-JP" sz="2400" dirty="0" smtClean="0"/>
+              <a:t>1</a:t>
+            </a:r>
+            <a:endParaRPr kumimoji="1" lang="ja-JP" altLang="en-US" sz="2400" dirty="0"/>
+          </a:p>
+        </p:txBody>
+      </p:sp>
+      <p:sp>
+        <p:nvSpPr>
+          <p:cNvPr id="111" name="テキスト ボックス 110"/>
+          <p:cNvSpPr txBox="1"/>
+          <p:nvPr/>
+        </p:nvSpPr>
+        <p:spPr>
+          <a:xfrm>
+            <a:off x="5739583" y="4420614"/>
+            <a:ext cx="564854" cy="461665"/>
+          </a:xfrm>
+          <a:prstGeom prst="rect">
+            <a:avLst/>
+          </a:prstGeom>
+          <a:noFill/>
+        </p:spPr>
+        <p:txBody>
+          <a:bodyPr wrap="square" rtlCol="0">
+            <a:spAutoFit/>
+          </a:bodyPr>
+          <a:lstStyle/>
+          <a:p>
+            <a:pPr algn="ctr"/>
+            <a:r>
+              <a:rPr lang="en-US" altLang="ja-JP" sz="2400" dirty="0" smtClean="0"/>
+              <a:t>3</a:t>
+            </a:r>
+            <a:endParaRPr kumimoji="1" lang="ja-JP" altLang="en-US" sz="2400" dirty="0"/>
+          </a:p>
+        </p:txBody>
+      </p:sp>
+      <p:sp>
+        <p:nvSpPr>
+          <p:cNvPr id="112" name="テキスト ボックス 111"/>
+          <p:cNvSpPr txBox="1"/>
+          <p:nvPr/>
+        </p:nvSpPr>
+        <p:spPr>
+          <a:xfrm>
+            <a:off x="4881108" y="5269945"/>
+            <a:ext cx="564854" cy="461665"/>
+          </a:xfrm>
+          <a:prstGeom prst="rect">
+            <a:avLst/>
+          </a:prstGeom>
+          <a:noFill/>
+        </p:spPr>
+        <p:txBody>
+          <a:bodyPr wrap="square" rtlCol="0">
+            <a:spAutoFit/>
+          </a:bodyPr>
+          <a:lstStyle/>
+          <a:p>
+            <a:pPr algn="ctr"/>
+            <a:r>
+              <a:rPr lang="en-US" altLang="ja-JP" sz="2400" dirty="0"/>
+              <a:t>4</a:t>
+            </a:r>
+            <a:endParaRPr kumimoji="1" lang="ja-JP" altLang="en-US" sz="2400" dirty="0"/>
+          </a:p>
+        </p:txBody>
+      </p:sp>
+      <p:sp>
+        <p:nvSpPr>
+          <p:cNvPr id="113" name="テキスト ボックス 112"/>
+          <p:cNvSpPr txBox="1"/>
+          <p:nvPr/>
+        </p:nvSpPr>
+        <p:spPr>
+          <a:xfrm>
+            <a:off x="5738015" y="5522177"/>
+            <a:ext cx="564854" cy="461665"/>
+          </a:xfrm>
+          <a:prstGeom prst="rect">
+            <a:avLst/>
+          </a:prstGeom>
+          <a:noFill/>
+        </p:spPr>
+        <p:txBody>
+          <a:bodyPr wrap="square" rtlCol="0">
+            <a:spAutoFit/>
+          </a:bodyPr>
+          <a:lstStyle/>
+          <a:p>
+            <a:pPr algn="ctr"/>
+            <a:r>
+              <a:rPr lang="en-US" altLang="ja-JP" sz="2400" dirty="0" smtClean="0"/>
+              <a:t>5</a:t>
+            </a:r>
+            <a:endParaRPr kumimoji="1" lang="ja-JP" altLang="en-US" sz="2400" dirty="0"/>
+          </a:p>
+        </p:txBody>
+      </p:sp>
+      <p:sp>
+        <p:nvSpPr>
+          <p:cNvPr id="114" name="テキスト ボックス 113"/>
+          <p:cNvSpPr txBox="1"/>
+          <p:nvPr/>
+        </p:nvSpPr>
+        <p:spPr>
+          <a:xfrm>
+            <a:off x="6483175" y="5265946"/>
+            <a:ext cx="564854" cy="461665"/>
+          </a:xfrm>
+          <a:prstGeom prst="rect">
+            <a:avLst/>
+          </a:prstGeom>
+          <a:noFill/>
+        </p:spPr>
+        <p:txBody>
+          <a:bodyPr wrap="square" rtlCol="0">
+            <a:spAutoFit/>
+          </a:bodyPr>
+          <a:lstStyle/>
+          <a:p>
+            <a:pPr algn="ctr"/>
+            <a:r>
+              <a:rPr lang="en-US" altLang="ja-JP" sz="2400" dirty="0"/>
+              <a:t>6</a:t>
+            </a:r>
+            <a:endParaRPr kumimoji="1" lang="ja-JP" altLang="en-US" sz="2400" dirty="0"/>
+          </a:p>
+        </p:txBody>
+      </p:sp>
+      <p:cxnSp>
+        <p:nvCxnSpPr>
+          <p:cNvPr id="115" name="直線コネクタ 114"/>
+          <p:cNvCxnSpPr>
+            <a:stCxn id="112" idx="2"/>
+            <a:endCxn id="98" idx="0"/>
+          </p:cNvCxnSpPr>
+          <p:nvPr/>
+        </p:nvCxnSpPr>
+        <p:spPr>
+          <a:xfrm flipH="1">
+            <a:off x="5159733" y="5731610"/>
+            <a:ext cx="3802" cy="389871"/>
+          </a:xfrm>
+          <a:prstGeom prst="line">
+            <a:avLst/>
+          </a:prstGeom>
+          <a:ln w="25400">
+            <a:solidFill>
+              <a:srgbClr val="FF0000"/>
+            </a:solidFill>
+            <a:prstDash val="sysDot"/>
+            <a:tailEnd type="arrow"/>
+          </a:ln>
+        </p:spPr>
+        <p:style>
+          <a:lnRef idx="1">
+            <a:schemeClr val="accent1"/>
+          </a:lnRef>
+          <a:fillRef idx="0">
+            <a:schemeClr val="accent1"/>
+          </a:fillRef>
+          <a:effectRef idx="0">
+            <a:schemeClr val="accent1"/>
+          </a:effectRef>
+          <a:fontRef idx="minor">
+            <a:schemeClr val="tx1"/>
+          </a:fontRef>
+        </p:style>
+      </p:cxnSp>
+      <p:cxnSp>
+        <p:nvCxnSpPr>
+          <p:cNvPr id="116" name="直線コネクタ 115"/>
+          <p:cNvCxnSpPr>
+            <a:stCxn id="113" idx="2"/>
+            <a:endCxn id="99" idx="0"/>
+          </p:cNvCxnSpPr>
+          <p:nvPr/>
+        </p:nvCxnSpPr>
+        <p:spPr>
+          <a:xfrm flipH="1">
+            <a:off x="6019073" y="5983842"/>
+            <a:ext cx="1369" cy="286070"/>
+          </a:xfrm>
+          <a:prstGeom prst="line">
+            <a:avLst/>
+          </a:prstGeom>
+          <a:ln w="25400">
+            <a:solidFill>
+              <a:srgbClr val="FF0000"/>
+            </a:solidFill>
+            <a:prstDash val="sysDot"/>
+            <a:tailEnd type="arrow"/>
+          </a:ln>
+        </p:spPr>
+        <p:style>
+          <a:lnRef idx="1">
+            <a:schemeClr val="accent1"/>
+          </a:lnRef>
+          <a:fillRef idx="0">
+            <a:schemeClr val="accent1"/>
+          </a:fillRef>
+          <a:effectRef idx="0">
+            <a:schemeClr val="accent1"/>
+          </a:effectRef>
+          <a:fontRef idx="minor">
+            <a:schemeClr val="tx1"/>
+          </a:fontRef>
+        </p:style>
+      </p:cxnSp>
+      <p:cxnSp>
+        <p:nvCxnSpPr>
+          <p:cNvPr id="117" name="直線コネクタ 116"/>
+          <p:cNvCxnSpPr>
+            <a:stCxn id="114" idx="2"/>
+            <a:endCxn id="100" idx="0"/>
+          </p:cNvCxnSpPr>
+          <p:nvPr/>
+        </p:nvCxnSpPr>
+        <p:spPr>
+          <a:xfrm>
+            <a:off x="6765602" y="5727611"/>
+            <a:ext cx="5379" cy="323944"/>
+          </a:xfrm>
+          <a:prstGeom prst="line">
+            <a:avLst/>
+          </a:prstGeom>
+          <a:ln w="25400">
+            <a:solidFill>
+              <a:srgbClr val="FF0000"/>
+            </a:solidFill>
+            <a:prstDash val="sysDot"/>
+            <a:tailEnd type="arrow"/>
+          </a:ln>
+        </p:spPr>
+        <p:style>
+          <a:lnRef idx="1">
+            <a:schemeClr val="accent1"/>
+          </a:lnRef>
+          <a:fillRef idx="0">
+            <a:schemeClr val="accent1"/>
+          </a:fillRef>
+          <a:effectRef idx="0">
+            <a:schemeClr val="accent1"/>
+          </a:effectRef>
+          <a:fontRef idx="minor">
+            <a:schemeClr val="tx1"/>
+          </a:fontRef>
+        </p:style>
+      </p:cxnSp>
+      <p:sp>
+        <p:nvSpPr>
+          <p:cNvPr id="126" name="テキスト ボックス 125"/>
+          <p:cNvSpPr txBox="1"/>
+          <p:nvPr/>
+        </p:nvSpPr>
+        <p:spPr>
+          <a:xfrm>
+            <a:off x="6388778" y="3760255"/>
+            <a:ext cx="564854" cy="461665"/>
+          </a:xfrm>
+          <a:prstGeom prst="rect">
+            <a:avLst/>
+          </a:prstGeom>
+          <a:noFill/>
+        </p:spPr>
+        <p:txBody>
+          <a:bodyPr wrap="square" rtlCol="0">
+            <a:spAutoFit/>
+          </a:bodyPr>
+          <a:lstStyle/>
+          <a:p>
+            <a:pPr algn="ctr"/>
+            <a:r>
+              <a:rPr lang="en-US" altLang="ja-JP" sz="2400" dirty="0"/>
+              <a:t>2</a:t>
+            </a:r>
+            <a:endParaRPr kumimoji="1" lang="ja-JP" altLang="en-US" sz="2400" dirty="0"/>
           </a:p>
         </p:txBody>
       </p:sp>

--- a/figures.pptx
+++ b/figures.pptx
@@ -4385,7 +4385,7 @@
         </p:nvSpPr>
         <p:spPr>
           <a:xfrm>
-            <a:off x="1699708" y="1989415"/>
+            <a:off x="4422730" y="2801909"/>
             <a:ext cx="715246" cy="520090"/>
           </a:xfrm>
           <a:prstGeom prst="rect">
@@ -4427,7 +4427,7 @@
         </p:nvSpPr>
         <p:spPr>
           <a:xfrm>
-            <a:off x="2414954" y="1989415"/>
+            <a:off x="5137976" y="2801909"/>
             <a:ext cx="715246" cy="520090"/>
           </a:xfrm>
           <a:prstGeom prst="rect">
@@ -4469,7 +4469,7 @@
         </p:nvSpPr>
         <p:spPr>
           <a:xfrm>
-            <a:off x="3130200" y="1989415"/>
+            <a:off x="5853222" y="2801909"/>
             <a:ext cx="715246" cy="520090"/>
           </a:xfrm>
           <a:prstGeom prst="rect">
@@ -4511,7 +4511,7 @@
         </p:nvSpPr>
         <p:spPr>
           <a:xfrm>
-            <a:off x="3845722" y="1989415"/>
+            <a:off x="6568744" y="2801909"/>
             <a:ext cx="715246" cy="520090"/>
           </a:xfrm>
           <a:prstGeom prst="rect">
@@ -4553,7 +4553,7 @@
         </p:nvSpPr>
         <p:spPr>
           <a:xfrm>
-            <a:off x="4560968" y="1989415"/>
+            <a:off x="7283990" y="2801909"/>
             <a:ext cx="715246" cy="520090"/>
           </a:xfrm>
           <a:prstGeom prst="rect">
@@ -4595,7 +4595,7 @@
         </p:nvSpPr>
         <p:spPr>
           <a:xfrm>
-            <a:off x="5276214" y="1989415"/>
+            <a:off x="7999236" y="2801909"/>
             <a:ext cx="715246" cy="520090"/>
           </a:xfrm>
           <a:prstGeom prst="rect">
@@ -4637,7 +4637,7 @@
         </p:nvSpPr>
         <p:spPr>
           <a:xfrm>
-            <a:off x="1804396" y="1986285"/>
+            <a:off x="4527418" y="2798779"/>
             <a:ext cx="496493" cy="523220"/>
           </a:xfrm>
           <a:prstGeom prst="rect">
@@ -4668,7 +4668,7 @@
         </p:nvSpPr>
         <p:spPr>
           <a:xfrm>
-            <a:off x="2524330" y="1990974"/>
+            <a:off x="5247352" y="2803468"/>
             <a:ext cx="496493" cy="523220"/>
           </a:xfrm>
           <a:prstGeom prst="rect">
@@ -4685,7 +4685,7 @@
             <a:pPr algn="ctr"/>
             <a:r>
               <a:rPr lang="en-US" altLang="ja-JP" sz="2800" dirty="0" smtClean="0"/>
-              <a:t>2</a:t>
+              <a:t>#</a:t>
             </a:r>
             <a:endParaRPr kumimoji="1" lang="ja-JP" altLang="en-US" sz="2800" dirty="0"/>
           </a:p>
@@ -4699,7 +4699,7 @@
         </p:nvSpPr>
         <p:spPr>
           <a:xfrm>
-            <a:off x="3245305" y="1990974"/>
+            <a:off x="5968327" y="2803468"/>
             <a:ext cx="496493" cy="523220"/>
           </a:xfrm>
           <a:prstGeom prst="rect">
@@ -4716,7 +4716,7 @@
             <a:pPr algn="ctr"/>
             <a:r>
               <a:rPr lang="en-US" altLang="ja-JP" sz="2800" dirty="0"/>
-              <a:t>3</a:t>
+              <a:t>2</a:t>
             </a:r>
             <a:endParaRPr kumimoji="1" lang="ja-JP" altLang="en-US" sz="2800" dirty="0"/>
           </a:p>
@@ -4730,7 +4730,7 @@
         </p:nvSpPr>
         <p:spPr>
           <a:xfrm>
-            <a:off x="3961591" y="1986285"/>
+            <a:off x="6684613" y="2798779"/>
             <a:ext cx="496493" cy="523220"/>
           </a:xfrm>
           <a:prstGeom prst="rect">
@@ -4761,7 +4761,7 @@
         </p:nvSpPr>
         <p:spPr>
           <a:xfrm>
-            <a:off x="267146" y="2004100"/>
+            <a:off x="2990168" y="2816594"/>
             <a:ext cx="1134932" cy="523220"/>
           </a:xfrm>
           <a:prstGeom prst="rect">
@@ -4792,7 +4792,7 @@
         </p:nvSpPr>
         <p:spPr>
           <a:xfrm>
-            <a:off x="267146" y="1021708"/>
+            <a:off x="2990168" y="1834202"/>
             <a:ext cx="1134932" cy="523220"/>
           </a:xfrm>
           <a:prstGeom prst="rect">
@@ -4823,7 +4823,7 @@
         </p:nvSpPr>
         <p:spPr>
           <a:xfrm>
-            <a:off x="4663240" y="1986285"/>
+            <a:off x="7386262" y="2798779"/>
             <a:ext cx="496493" cy="523220"/>
           </a:xfrm>
           <a:prstGeom prst="rect">
@@ -4854,7 +4854,7 @@
         </p:nvSpPr>
         <p:spPr>
           <a:xfrm>
-            <a:off x="5384215" y="1989415"/>
+            <a:off x="8107237" y="2801909"/>
             <a:ext cx="496493" cy="523220"/>
           </a:xfrm>
           <a:prstGeom prst="rect">
@@ -4885,7 +4885,7 @@
         </p:nvSpPr>
         <p:spPr>
           <a:xfrm>
-            <a:off x="1699708" y="1016400"/>
+            <a:off x="4422730" y="1828894"/>
             <a:ext cx="715246" cy="520090"/>
           </a:xfrm>
           <a:prstGeom prst="rect">
@@ -4927,7 +4927,7 @@
         </p:nvSpPr>
         <p:spPr>
           <a:xfrm>
-            <a:off x="2414954" y="1016400"/>
+            <a:off x="5137976" y="1828894"/>
             <a:ext cx="715246" cy="520090"/>
           </a:xfrm>
           <a:prstGeom prst="rect">
@@ -4969,7 +4969,7 @@
         </p:nvSpPr>
         <p:spPr>
           <a:xfrm>
-            <a:off x="3130200" y="1016400"/>
+            <a:off x="5853222" y="1828894"/>
             <a:ext cx="715246" cy="520090"/>
           </a:xfrm>
           <a:prstGeom prst="rect">
@@ -5011,7 +5011,7 @@
         </p:nvSpPr>
         <p:spPr>
           <a:xfrm>
-            <a:off x="3845722" y="1016400"/>
+            <a:off x="6568744" y="1828894"/>
             <a:ext cx="715246" cy="520090"/>
           </a:xfrm>
           <a:prstGeom prst="rect">
@@ -5053,7 +5053,7 @@
         </p:nvSpPr>
         <p:spPr>
           <a:xfrm>
-            <a:off x="4560968" y="1016400"/>
+            <a:off x="7283990" y="1828894"/>
             <a:ext cx="715246" cy="520090"/>
           </a:xfrm>
           <a:prstGeom prst="rect">
@@ -5095,7 +5095,7 @@
         </p:nvSpPr>
         <p:spPr>
           <a:xfrm>
-            <a:off x="5276214" y="1016400"/>
+            <a:off x="7999236" y="1828894"/>
             <a:ext cx="715246" cy="520090"/>
           </a:xfrm>
           <a:prstGeom prst="rect">
@@ -5137,7 +5137,7 @@
         </p:nvSpPr>
         <p:spPr>
           <a:xfrm>
-            <a:off x="1804396" y="1013270"/>
+            <a:off x="4527418" y="1825764"/>
             <a:ext cx="496493" cy="523220"/>
           </a:xfrm>
           <a:prstGeom prst="rect">
@@ -5168,7 +5168,7 @@
         </p:nvSpPr>
         <p:spPr>
           <a:xfrm>
-            <a:off x="2524330" y="1017959"/>
+            <a:off x="5247352" y="1830453"/>
             <a:ext cx="496493" cy="523220"/>
           </a:xfrm>
           <a:prstGeom prst="rect">
@@ -5185,7 +5185,7 @@
             <a:pPr algn="ctr"/>
             <a:r>
               <a:rPr lang="en-US" altLang="ja-JP" sz="2800" dirty="0"/>
-              <a:t>1</a:t>
+              <a:t>#</a:t>
             </a:r>
             <a:endParaRPr kumimoji="1" lang="ja-JP" altLang="en-US" sz="2800" dirty="0"/>
           </a:p>
@@ -5199,7 +5199,7 @@
         </p:nvSpPr>
         <p:spPr>
           <a:xfrm>
-            <a:off x="3245305" y="1017959"/>
+            <a:off x="5968327" y="1830453"/>
             <a:ext cx="496493" cy="523220"/>
           </a:xfrm>
           <a:prstGeom prst="rect">
@@ -5230,7 +5230,7 @@
         </p:nvSpPr>
         <p:spPr>
           <a:xfrm>
-            <a:off x="3961591" y="1013270"/>
+            <a:off x="6684613" y="1825764"/>
             <a:ext cx="496493" cy="523220"/>
           </a:xfrm>
           <a:prstGeom prst="rect">
@@ -5261,7 +5261,7 @@
         </p:nvSpPr>
         <p:spPr>
           <a:xfrm>
-            <a:off x="4663240" y="1013270"/>
+            <a:off x="7386262" y="1825764"/>
             <a:ext cx="496493" cy="523220"/>
           </a:xfrm>
           <a:prstGeom prst="rect">
@@ -5292,7 +5292,7 @@
         </p:nvSpPr>
         <p:spPr>
           <a:xfrm>
-            <a:off x="5384215" y="1016400"/>
+            <a:off x="8107237" y="1828894"/>
             <a:ext cx="496493" cy="523220"/>
           </a:xfrm>
           <a:prstGeom prst="rect">
@@ -5323,7 +5323,7 @@
         </p:nvSpPr>
         <p:spPr>
           <a:xfrm>
-            <a:off x="1804396" y="309117"/>
+            <a:off x="4527418" y="1121611"/>
             <a:ext cx="496493" cy="523220"/>
           </a:xfrm>
           <a:prstGeom prst="rect">
@@ -5354,7 +5354,7 @@
         </p:nvSpPr>
         <p:spPr>
           <a:xfrm>
-            <a:off x="2524330" y="313806"/>
+            <a:off x="5247352" y="1126300"/>
             <a:ext cx="496493" cy="523220"/>
           </a:xfrm>
           <a:prstGeom prst="rect">
@@ -5385,7 +5385,7 @@
         </p:nvSpPr>
         <p:spPr>
           <a:xfrm>
-            <a:off x="3245305" y="313806"/>
+            <a:off x="5968327" y="1126300"/>
             <a:ext cx="496493" cy="523220"/>
           </a:xfrm>
           <a:prstGeom prst="rect">
@@ -5416,7 +5416,7 @@
         </p:nvSpPr>
         <p:spPr>
           <a:xfrm>
-            <a:off x="3961591" y="309117"/>
+            <a:off x="6684613" y="1121611"/>
             <a:ext cx="496493" cy="523220"/>
           </a:xfrm>
           <a:prstGeom prst="rect">
@@ -5447,7 +5447,7 @@
         </p:nvSpPr>
         <p:spPr>
           <a:xfrm>
-            <a:off x="4663240" y="309117"/>
+            <a:off x="7386262" y="1121611"/>
             <a:ext cx="496493" cy="523220"/>
           </a:xfrm>
           <a:prstGeom prst="rect">
@@ -5478,7 +5478,7 @@
         </p:nvSpPr>
         <p:spPr>
           <a:xfrm>
-            <a:off x="5384215" y="312247"/>
+            <a:off x="8107237" y="1124741"/>
             <a:ext cx="496493" cy="523220"/>
           </a:xfrm>
           <a:prstGeom prst="rect">
@@ -5503,13 +5503,13 @@
       </p:sp>
       <p:sp>
         <p:nvSpPr>
-          <p:cNvPr id="78" name="楕円 77"/>
+          <p:cNvPr id="81" name="楕円 80"/>
           <p:cNvSpPr/>
           <p:nvPr/>
         </p:nvSpPr>
         <p:spPr>
           <a:xfrm>
-            <a:off x="7143110" y="2982703"/>
+            <a:off x="2197781" y="902784"/>
             <a:ext cx="418375" cy="418375"/>
           </a:xfrm>
           <a:prstGeom prst="ellipse">
@@ -5543,50 +5543,19 @@
           </a:p>
         </p:txBody>
       </p:sp>
-      <p:sp>
-        <p:nvSpPr>
-          <p:cNvPr id="79" name="テキスト ボックス 78"/>
-          <p:cNvSpPr txBox="1"/>
-          <p:nvPr/>
-        </p:nvSpPr>
-        <p:spPr>
-          <a:xfrm>
-            <a:off x="6461381" y="3058456"/>
-            <a:ext cx="564854" cy="523220"/>
-          </a:xfrm>
-          <a:prstGeom prst="rect">
-            <a:avLst/>
-          </a:prstGeom>
-          <a:noFill/>
-        </p:spPr>
-        <p:txBody>
-          <a:bodyPr wrap="square" rtlCol="0">
-            <a:spAutoFit/>
-          </a:bodyPr>
-          <a:lstStyle/>
-          <a:p>
-            <a:pPr algn="ctr"/>
-            <a:r>
-              <a:rPr lang="en-US" altLang="ja-JP" sz="2800" dirty="0" smtClean="0"/>
-              <a:t>1</a:t>
-            </a:r>
-            <a:endParaRPr kumimoji="1" lang="ja-JP" altLang="en-US" sz="2800" dirty="0"/>
-          </a:p>
-        </p:txBody>
-      </p:sp>
       <p:cxnSp>
         <p:nvCxnSpPr>
-          <p:cNvPr id="80" name="直線コネクタ 79"/>
+          <p:cNvPr id="84" name="直線コネクタ 83"/>
           <p:cNvCxnSpPr>
-            <a:stCxn id="78" idx="3"/>
-            <a:endCxn id="81" idx="0"/>
+            <a:stCxn id="81" idx="3"/>
+            <a:endCxn id="85" idx="0"/>
           </p:cNvCxnSpPr>
           <p:nvPr/>
         </p:nvCxnSpPr>
         <p:spPr>
           <a:xfrm flipH="1">
-            <a:off x="6670569" y="3339808"/>
-            <a:ext cx="533811" cy="447141"/>
+            <a:off x="1755864" y="1259889"/>
+            <a:ext cx="503187" cy="300625"/>
           </a:xfrm>
           <a:prstGeom prst="line">
             <a:avLst/>
@@ -5612,13 +5581,13 @@
       </p:cxnSp>
       <p:sp>
         <p:nvSpPr>
-          <p:cNvPr id="81" name="楕円 80"/>
+          <p:cNvPr id="85" name="楕円 84"/>
           <p:cNvSpPr/>
           <p:nvPr/>
         </p:nvSpPr>
         <p:spPr>
           <a:xfrm>
-            <a:off x="6461381" y="3786949"/>
+            <a:off x="1546676" y="1560514"/>
             <a:ext cx="418375" cy="418375"/>
           </a:xfrm>
           <a:prstGeom prst="ellipse">
@@ -5652,19 +5621,50 @@
           </a:p>
         </p:txBody>
       </p:sp>
+      <p:sp>
+        <p:nvSpPr>
+          <p:cNvPr id="86" name="テキスト ボックス 85"/>
+          <p:cNvSpPr txBox="1"/>
+          <p:nvPr/>
+        </p:nvSpPr>
+        <p:spPr>
+          <a:xfrm>
+            <a:off x="1653450" y="894663"/>
+            <a:ext cx="432090" cy="523220"/>
+          </a:xfrm>
+          <a:prstGeom prst="rect">
+            <a:avLst/>
+          </a:prstGeom>
+          <a:noFill/>
+        </p:spPr>
+        <p:txBody>
+          <a:bodyPr wrap="square" rtlCol="0">
+            <a:spAutoFit/>
+          </a:bodyPr>
+          <a:lstStyle/>
+          <a:p>
+            <a:pPr algn="ctr"/>
+            <a:r>
+              <a:rPr lang="en-US" altLang="ja-JP" sz="2800" dirty="0"/>
+              <a:t>2</a:t>
+            </a:r>
+            <a:endParaRPr kumimoji="1" lang="ja-JP" altLang="en-US" sz="2800" dirty="0"/>
+          </a:p>
+        </p:txBody>
+      </p:sp>
       <p:cxnSp>
         <p:nvCxnSpPr>
-          <p:cNvPr id="84" name="直線コネクタ 83"/>
+          <p:cNvPr id="89" name="直線コネクタ 88"/>
           <p:cNvCxnSpPr>
-            <a:stCxn id="81" idx="3"/>
-            <a:endCxn id="85" idx="0"/>
+            <a:stCxn id="85" idx="3"/>
+            <a:endCxn id="90" idx="0"/>
           </p:cNvCxnSpPr>
           <p:nvPr/>
         </p:nvCxnSpPr>
         <p:spPr>
           <a:xfrm flipH="1">
-            <a:off x="6019464" y="4144054"/>
-            <a:ext cx="503187" cy="300625"/>
+            <a:off x="900705" y="1917619"/>
+            <a:ext cx="707241" cy="482437"/>
           </a:xfrm>
           <a:prstGeom prst="line">
             <a:avLst/>
@@ -5690,13 +5690,13 @@
       </p:cxnSp>
       <p:sp>
         <p:nvSpPr>
-          <p:cNvPr id="85" name="楕円 84"/>
+          <p:cNvPr id="90" name="楕円 89"/>
           <p:cNvSpPr/>
           <p:nvPr/>
         </p:nvSpPr>
         <p:spPr>
           <a:xfrm>
-            <a:off x="5810276" y="4444679"/>
+            <a:off x="691517" y="2400056"/>
             <a:ext cx="418375" cy="418375"/>
           </a:xfrm>
           <a:prstGeom prst="ellipse">
@@ -5732,14 +5732,14 @@
       </p:sp>
       <p:sp>
         <p:nvSpPr>
-          <p:cNvPr id="86" name="テキスト ボックス 85"/>
+          <p:cNvPr id="91" name="テキスト ボックス 90"/>
           <p:cNvSpPr txBox="1"/>
           <p:nvPr/>
         </p:nvSpPr>
         <p:spPr>
           <a:xfrm>
-            <a:off x="5917840" y="3690223"/>
-            <a:ext cx="432090" cy="523220"/>
+            <a:off x="896133" y="1632545"/>
+            <a:ext cx="463107" cy="523220"/>
           </a:xfrm>
           <a:prstGeom prst="rect">
             <a:avLst/>
@@ -5755,7 +5755,7 @@
             <a:pPr algn="ctr"/>
             <a:r>
               <a:rPr lang="en-US" altLang="ja-JP" sz="2800" dirty="0"/>
-              <a:t>2</a:t>
+              <a:t>4</a:t>
             </a:r>
             <a:endParaRPr kumimoji="1" lang="ja-JP" altLang="en-US" sz="2800" dirty="0"/>
           </a:p>
@@ -5763,17 +5763,17 @@
       </p:sp>
       <p:cxnSp>
         <p:nvCxnSpPr>
-          <p:cNvPr id="89" name="直線コネクタ 88"/>
+          <p:cNvPr id="92" name="直線コネクタ 91"/>
           <p:cNvCxnSpPr>
-            <a:stCxn id="85" idx="3"/>
-            <a:endCxn id="90" idx="0"/>
+            <a:stCxn id="85" idx="4"/>
+            <a:endCxn id="93" idx="0"/>
           </p:cNvCxnSpPr>
           <p:nvPr/>
         </p:nvCxnSpPr>
         <p:spPr>
           <a:xfrm flipH="1">
-            <a:off x="5164305" y="4801784"/>
-            <a:ext cx="707241" cy="482437"/>
+            <a:off x="1755474" y="1978889"/>
+            <a:ext cx="390" cy="675929"/>
           </a:xfrm>
           <a:prstGeom prst="line">
             <a:avLst/>
@@ -5799,13 +5799,13 @@
       </p:cxnSp>
       <p:sp>
         <p:nvSpPr>
-          <p:cNvPr id="90" name="楕円 89"/>
+          <p:cNvPr id="93" name="楕円 92"/>
           <p:cNvSpPr/>
           <p:nvPr/>
         </p:nvSpPr>
         <p:spPr>
           <a:xfrm>
-            <a:off x="4955117" y="5284221"/>
+            <a:off x="1546286" y="2654818"/>
             <a:ext cx="418375" cy="418375"/>
           </a:xfrm>
           <a:prstGeom prst="ellipse">
@@ -5841,13 +5841,13 @@
       </p:sp>
       <p:sp>
         <p:nvSpPr>
-          <p:cNvPr id="91" name="テキスト ボックス 90"/>
+          <p:cNvPr id="94" name="テキスト ボックス 93"/>
           <p:cNvSpPr txBox="1"/>
           <p:nvPr/>
         </p:nvSpPr>
         <p:spPr>
           <a:xfrm>
-            <a:off x="5159733" y="4516710"/>
+            <a:off x="1273984" y="2042110"/>
             <a:ext cx="463107" cy="523220"/>
           </a:xfrm>
           <a:prstGeom prst="rect">
@@ -5864,7 +5864,7 @@
             <a:pPr algn="ctr"/>
             <a:r>
               <a:rPr lang="en-US" altLang="ja-JP" sz="2800" dirty="0"/>
-              <a:t>4</a:t>
+              <a:t>5</a:t>
             </a:r>
             <a:endParaRPr kumimoji="1" lang="ja-JP" altLang="en-US" sz="2800" dirty="0"/>
           </a:p>
@@ -5872,17 +5872,17 @@
       </p:sp>
       <p:cxnSp>
         <p:nvCxnSpPr>
-          <p:cNvPr id="92" name="直線コネクタ 91"/>
+          <p:cNvPr id="95" name="直線コネクタ 94"/>
           <p:cNvCxnSpPr>
-            <a:stCxn id="85" idx="4"/>
-            <a:endCxn id="93" idx="0"/>
+            <a:stCxn id="85" idx="5"/>
+            <a:endCxn id="96" idx="0"/>
           </p:cNvCxnSpPr>
           <p:nvPr/>
         </p:nvCxnSpPr>
         <p:spPr>
-          <a:xfrm flipH="1">
-            <a:off x="6019074" y="4863054"/>
-            <a:ext cx="390" cy="675929"/>
+          <a:xfrm>
+            <a:off x="1903781" y="1917619"/>
+            <a:ext cx="595752" cy="482436"/>
           </a:xfrm>
           <a:prstGeom prst="line">
             <a:avLst/>
@@ -5908,13 +5908,13 @@
       </p:cxnSp>
       <p:sp>
         <p:nvSpPr>
-          <p:cNvPr id="93" name="楕円 92"/>
+          <p:cNvPr id="96" name="楕円 95"/>
           <p:cNvSpPr/>
           <p:nvPr/>
         </p:nvSpPr>
         <p:spPr>
           <a:xfrm>
-            <a:off x="5809886" y="5538983"/>
+            <a:off x="2290345" y="2400055"/>
             <a:ext cx="418375" cy="418375"/>
           </a:xfrm>
           <a:prstGeom prst="ellipse">
@@ -5950,13 +5950,13 @@
       </p:sp>
       <p:sp>
         <p:nvSpPr>
-          <p:cNvPr id="94" name="テキスト ボックス 93"/>
+          <p:cNvPr id="97" name="テキスト ボックス 96"/>
           <p:cNvSpPr txBox="1"/>
           <p:nvPr/>
         </p:nvSpPr>
         <p:spPr>
           <a:xfrm>
-            <a:off x="5537584" y="4926275"/>
+            <a:off x="2125178" y="1599999"/>
             <a:ext cx="463107" cy="523220"/>
           </a:xfrm>
           <a:prstGeom prst="rect">
@@ -5973,100 +5973,22 @@
             <a:pPr algn="ctr"/>
             <a:r>
               <a:rPr lang="en-US" altLang="ja-JP" sz="2800" dirty="0"/>
-              <a:t>5</a:t>
+              <a:t>6</a:t>
             </a:r>
             <a:endParaRPr kumimoji="1" lang="ja-JP" altLang="en-US" sz="2800" dirty="0"/>
           </a:p>
         </p:txBody>
       </p:sp>
-      <p:cxnSp>
-        <p:nvCxnSpPr>
-          <p:cNvPr id="95" name="直線コネクタ 94"/>
-          <p:cNvCxnSpPr>
-            <a:stCxn id="85" idx="5"/>
-            <a:endCxn id="96" idx="0"/>
-          </p:cNvCxnSpPr>
-          <p:nvPr/>
-        </p:nvCxnSpPr>
-        <p:spPr>
-          <a:xfrm>
-            <a:off x="6167381" y="4801784"/>
-            <a:ext cx="595752" cy="482436"/>
-          </a:xfrm>
-          <a:prstGeom prst="line">
-            <a:avLst/>
-          </a:prstGeom>
-          <a:ln w="31750">
-            <a:tailEnd type="arrow"/>
-          </a:ln>
-        </p:spPr>
-        <p:style>
-          <a:lnRef idx="1">
-            <a:schemeClr val="accent1"/>
-          </a:lnRef>
-          <a:fillRef idx="0">
-            <a:schemeClr val="accent1"/>
-          </a:fillRef>
-          <a:effectRef idx="0">
-            <a:schemeClr val="accent1"/>
-          </a:effectRef>
-          <a:fontRef idx="minor">
-            <a:schemeClr val="tx1"/>
-          </a:fontRef>
-        </p:style>
-      </p:cxnSp>
-      <p:sp>
-        <p:nvSpPr>
-          <p:cNvPr id="96" name="楕円 95"/>
-          <p:cNvSpPr/>
-          <p:nvPr/>
-        </p:nvSpPr>
-        <p:spPr>
-          <a:xfrm>
-            <a:off x="6553945" y="5284220"/>
-            <a:ext cx="418375" cy="418375"/>
-          </a:xfrm>
-          <a:prstGeom prst="ellipse">
-            <a:avLst/>
-          </a:prstGeom>
-          <a:noFill/>
-          <a:ln w="31750"/>
-        </p:spPr>
-        <p:style>
-          <a:lnRef idx="2">
-            <a:schemeClr val="accent1">
-              <a:shade val="50000"/>
-            </a:schemeClr>
-          </a:lnRef>
-          <a:fillRef idx="1">
-            <a:schemeClr val="accent1"/>
-          </a:fillRef>
-          <a:effectRef idx="0">
-            <a:schemeClr val="accent1"/>
-          </a:effectRef>
-          <a:fontRef idx="minor">
-            <a:schemeClr val="lt1"/>
-          </a:fontRef>
-        </p:style>
-        <p:txBody>
-          <a:bodyPr rtlCol="0" anchor="ctr"/>
-          <a:lstStyle/>
-          <a:p>
-            <a:pPr algn="ctr"/>
-            <a:endParaRPr kumimoji="1" lang="ja-JP" altLang="en-US"/>
-          </a:p>
-        </p:txBody>
-      </p:sp>
-      <p:sp>
-        <p:nvSpPr>
-          <p:cNvPr id="97" name="テキスト ボックス 96"/>
+      <p:sp>
+        <p:nvSpPr>
+          <p:cNvPr id="98" name="テキスト ボックス 97"/>
           <p:cNvSpPr txBox="1"/>
           <p:nvPr/>
         </p:nvSpPr>
         <p:spPr>
           <a:xfrm>
-            <a:off x="6388778" y="4484164"/>
-            <a:ext cx="463107" cy="523220"/>
+            <a:off x="602546" y="3237316"/>
+            <a:ext cx="587173" cy="523220"/>
           </a:xfrm>
           <a:prstGeom prst="rect">
             <a:avLst/>
@@ -6081,8 +6003,8 @@
           <a:p>
             <a:pPr algn="ctr"/>
             <a:r>
-              <a:rPr lang="en-US" altLang="ja-JP" sz="2800" dirty="0"/>
-              <a:t>6</a:t>
+              <a:rPr lang="en-US" altLang="ja-JP" sz="2800" dirty="0" smtClean="0"/>
+              <a:t>1</a:t>
             </a:r>
             <a:endParaRPr kumimoji="1" lang="ja-JP" altLang="en-US" sz="2800" dirty="0"/>
           </a:p>
@@ -6090,13 +6012,13 @@
       </p:sp>
       <p:sp>
         <p:nvSpPr>
-          <p:cNvPr id="98" name="テキスト ボックス 97"/>
+          <p:cNvPr id="99" name="テキスト ボックス 98"/>
           <p:cNvSpPr txBox="1"/>
           <p:nvPr/>
         </p:nvSpPr>
         <p:spPr>
           <a:xfrm>
-            <a:off x="4866146" y="6121481"/>
+            <a:off x="1461886" y="3385747"/>
             <a:ext cx="587173" cy="523220"/>
           </a:xfrm>
           <a:prstGeom prst="rect">
@@ -6113,7 +6035,7 @@
             <a:pPr algn="ctr"/>
             <a:r>
               <a:rPr lang="en-US" altLang="ja-JP" sz="2800" dirty="0" smtClean="0"/>
-              <a:t>1</a:t>
+              <a:t>2</a:t>
             </a:r>
             <a:endParaRPr kumimoji="1" lang="ja-JP" altLang="en-US" sz="2800" dirty="0"/>
           </a:p>
@@ -6121,13 +6043,13 @@
       </p:sp>
       <p:sp>
         <p:nvSpPr>
-          <p:cNvPr id="99" name="テキスト ボックス 98"/>
+          <p:cNvPr id="100" name="テキスト ボックス 99"/>
           <p:cNvSpPr txBox="1"/>
           <p:nvPr/>
         </p:nvSpPr>
         <p:spPr>
           <a:xfrm>
-            <a:off x="5725486" y="6269912"/>
+            <a:off x="2213794" y="3167390"/>
             <a:ext cx="587173" cy="523220"/>
           </a:xfrm>
           <a:prstGeom prst="rect">
@@ -6144,7 +6066,7 @@
             <a:pPr algn="ctr"/>
             <a:r>
               <a:rPr lang="en-US" altLang="ja-JP" sz="2800" dirty="0" smtClean="0"/>
-              <a:t>2</a:t>
+              <a:t>3</a:t>
             </a:r>
             <a:endParaRPr kumimoji="1" lang="ja-JP" altLang="en-US" sz="2800" dirty="0"/>
           </a:p>
@@ -6152,14 +6074,14 @@
       </p:sp>
       <p:sp>
         <p:nvSpPr>
-          <p:cNvPr id="100" name="テキスト ボックス 99"/>
+          <p:cNvPr id="111" name="テキスト ボックス 110"/>
           <p:cNvSpPr txBox="1"/>
           <p:nvPr/>
         </p:nvSpPr>
         <p:spPr>
           <a:xfrm>
-            <a:off x="6477394" y="6051555"/>
-            <a:ext cx="587173" cy="523220"/>
+            <a:off x="1475983" y="1536449"/>
+            <a:ext cx="564854" cy="461665"/>
           </a:xfrm>
           <a:prstGeom prst="rect">
             <a:avLst/>
@@ -6174,22 +6096,22 @@
           <a:p>
             <a:pPr algn="ctr"/>
             <a:r>
-              <a:rPr lang="en-US" altLang="ja-JP" sz="2800" dirty="0" smtClean="0"/>
+              <a:rPr lang="en-US" altLang="ja-JP" sz="2400" dirty="0" smtClean="0"/>
               <a:t>3</a:t>
             </a:r>
-            <a:endParaRPr kumimoji="1" lang="ja-JP" altLang="en-US" sz="2800" dirty="0"/>
-          </a:p>
-        </p:txBody>
-      </p:sp>
-      <p:sp>
-        <p:nvSpPr>
-          <p:cNvPr id="109" name="テキスト ボックス 108"/>
+            <a:endParaRPr kumimoji="1" lang="ja-JP" altLang="en-US" sz="2400" dirty="0"/>
+          </a:p>
+        </p:txBody>
+      </p:sp>
+      <p:sp>
+        <p:nvSpPr>
+          <p:cNvPr id="112" name="テキスト ボックス 111"/>
           <p:cNvSpPr txBox="1"/>
           <p:nvPr/>
         </p:nvSpPr>
         <p:spPr>
           <a:xfrm>
-            <a:off x="7073946" y="2950986"/>
+            <a:off x="617508" y="2385780"/>
             <a:ext cx="564854" cy="461665"/>
           </a:xfrm>
           <a:prstGeom prst="rect">
@@ -6205,8 +6127,8 @@
           <a:p>
             <a:pPr algn="ctr"/>
             <a:r>
-              <a:rPr lang="en-US" altLang="ja-JP" sz="2400" dirty="0" smtClean="0"/>
-              <a:t>1</a:t>
+              <a:rPr lang="en-US" altLang="ja-JP" sz="2400" dirty="0"/>
+              <a:t>4</a:t>
             </a:r>
             <a:endParaRPr kumimoji="1" lang="ja-JP" altLang="en-US" sz="2400" dirty="0"/>
           </a:p>
@@ -6214,13 +6136,13 @@
       </p:sp>
       <p:sp>
         <p:nvSpPr>
-          <p:cNvPr id="111" name="テキスト ボックス 110"/>
+          <p:cNvPr id="113" name="テキスト ボックス 112"/>
           <p:cNvSpPr txBox="1"/>
           <p:nvPr/>
         </p:nvSpPr>
         <p:spPr>
           <a:xfrm>
-            <a:off x="5739583" y="4420614"/>
+            <a:off x="1474415" y="2638012"/>
             <a:ext cx="564854" cy="461665"/>
           </a:xfrm>
           <a:prstGeom prst="rect">
@@ -6237,68 +6159,6 @@
             <a:pPr algn="ctr"/>
             <a:r>
               <a:rPr lang="en-US" altLang="ja-JP" sz="2400" dirty="0" smtClean="0"/>
-              <a:t>3</a:t>
-            </a:r>
-            <a:endParaRPr kumimoji="1" lang="ja-JP" altLang="en-US" sz="2400" dirty="0"/>
-          </a:p>
-        </p:txBody>
-      </p:sp>
-      <p:sp>
-        <p:nvSpPr>
-          <p:cNvPr id="112" name="テキスト ボックス 111"/>
-          <p:cNvSpPr txBox="1"/>
-          <p:nvPr/>
-        </p:nvSpPr>
-        <p:spPr>
-          <a:xfrm>
-            <a:off x="4881108" y="5269945"/>
-            <a:ext cx="564854" cy="461665"/>
-          </a:xfrm>
-          <a:prstGeom prst="rect">
-            <a:avLst/>
-          </a:prstGeom>
-          <a:noFill/>
-        </p:spPr>
-        <p:txBody>
-          <a:bodyPr wrap="square" rtlCol="0">
-            <a:spAutoFit/>
-          </a:bodyPr>
-          <a:lstStyle/>
-          <a:p>
-            <a:pPr algn="ctr"/>
-            <a:r>
-              <a:rPr lang="en-US" altLang="ja-JP" sz="2400" dirty="0"/>
-              <a:t>4</a:t>
-            </a:r>
-            <a:endParaRPr kumimoji="1" lang="ja-JP" altLang="en-US" sz="2400" dirty="0"/>
-          </a:p>
-        </p:txBody>
-      </p:sp>
-      <p:sp>
-        <p:nvSpPr>
-          <p:cNvPr id="113" name="テキスト ボックス 112"/>
-          <p:cNvSpPr txBox="1"/>
-          <p:nvPr/>
-        </p:nvSpPr>
-        <p:spPr>
-          <a:xfrm>
-            <a:off x="5738015" y="5522177"/>
-            <a:ext cx="564854" cy="461665"/>
-          </a:xfrm>
-          <a:prstGeom prst="rect">
-            <a:avLst/>
-          </a:prstGeom>
-          <a:noFill/>
-        </p:spPr>
-        <p:txBody>
-          <a:bodyPr wrap="square" rtlCol="0">
-            <a:spAutoFit/>
-          </a:bodyPr>
-          <a:lstStyle/>
-          <a:p>
-            <a:pPr algn="ctr"/>
-            <a:r>
-              <a:rPr lang="en-US" altLang="ja-JP" sz="2400" dirty="0" smtClean="0"/>
               <a:t>5</a:t>
             </a:r>
             <a:endParaRPr kumimoji="1" lang="ja-JP" altLang="en-US" sz="2400" dirty="0"/>
@@ -6313,7 +6173,7 @@
         </p:nvSpPr>
         <p:spPr>
           <a:xfrm>
-            <a:off x="6483175" y="5265946"/>
+            <a:off x="2219575" y="2381781"/>
             <a:ext cx="564854" cy="461665"/>
           </a:xfrm>
           <a:prstGeom prst="rect">
@@ -6347,7 +6207,7 @@
         </p:nvCxnSpPr>
         <p:spPr>
           <a:xfrm flipH="1">
-            <a:off x="5159733" y="5731610"/>
+            <a:off x="896133" y="2847445"/>
             <a:ext cx="3802" cy="389871"/>
           </a:xfrm>
           <a:prstGeom prst="line">
@@ -6387,7 +6247,7 @@
         </p:nvCxnSpPr>
         <p:spPr>
           <a:xfrm flipH="1">
-            <a:off x="6019073" y="5983842"/>
+            <a:off x="1755473" y="3099677"/>
             <a:ext cx="1369" cy="286070"/>
           </a:xfrm>
           <a:prstGeom prst="line">
@@ -6427,7 +6287,7 @@
         </p:nvCxnSpPr>
         <p:spPr>
           <a:xfrm>
-            <a:off x="6765602" y="5727611"/>
+            <a:off x="2502002" y="2843446"/>
             <a:ext cx="5379" cy="323944"/>
           </a:xfrm>
           <a:prstGeom prst="line">
@@ -6464,7 +6324,7 @@
         </p:nvSpPr>
         <p:spPr>
           <a:xfrm>
-            <a:off x="6388778" y="3760255"/>
+            <a:off x="2125178" y="876090"/>
             <a:ext cx="564854" cy="461665"/>
           </a:xfrm>
           <a:prstGeom prst="rect">
@@ -6480,8 +6340,8 @@
           <a:p>
             <a:pPr algn="ctr"/>
             <a:r>
-              <a:rPr lang="en-US" altLang="ja-JP" sz="2400" dirty="0"/>
-              <a:t>2</a:t>
+              <a:rPr kumimoji="1" lang="en-US" altLang="ja-JP" sz="2400" dirty="0" smtClean="0"/>
+              <a:t>1</a:t>
             </a:r>
             <a:endParaRPr kumimoji="1" lang="ja-JP" altLang="en-US" sz="2400" dirty="0"/>
           </a:p>

--- a/figures.pptx
+++ b/figures.pptx
@@ -4761,7 +4761,7 @@
         </p:nvSpPr>
         <p:spPr>
           <a:xfrm>
-            <a:off x="2990168" y="2816594"/>
+            <a:off x="3248355" y="2816594"/>
             <a:ext cx="1134932" cy="523220"/>
           </a:xfrm>
           <a:prstGeom prst="rect">
@@ -4792,7 +4792,7 @@
         </p:nvSpPr>
         <p:spPr>
           <a:xfrm>
-            <a:off x="2990168" y="1834202"/>
+            <a:off x="3248355" y="1834202"/>
             <a:ext cx="1134932" cy="523220"/>
           </a:xfrm>
           <a:prstGeom prst="rect">
@@ -5509,7 +5509,7 @@
         </p:nvSpPr>
         <p:spPr>
           <a:xfrm>
-            <a:off x="2197781" y="902784"/>
+            <a:off x="1853538" y="902784"/>
             <a:ext cx="418375" cy="418375"/>
           </a:xfrm>
           <a:prstGeom prst="ellipse">
@@ -5554,7 +5554,7 @@
         </p:nvCxnSpPr>
         <p:spPr>
           <a:xfrm flipH="1">
-            <a:off x="1755864" y="1259889"/>
+            <a:off x="1411621" y="1259889"/>
             <a:ext cx="503187" cy="300625"/>
           </a:xfrm>
           <a:prstGeom prst="line">
@@ -5587,7 +5587,7 @@
         </p:nvSpPr>
         <p:spPr>
           <a:xfrm>
-            <a:off x="1546676" y="1560514"/>
+            <a:off x="1202433" y="1560514"/>
             <a:ext cx="418375" cy="418375"/>
           </a:xfrm>
           <a:prstGeom prst="ellipse">
@@ -5629,7 +5629,7 @@
         </p:nvSpPr>
         <p:spPr>
           <a:xfrm>
-            <a:off x="1653450" y="894663"/>
+            <a:off x="1309207" y="894663"/>
             <a:ext cx="432090" cy="523220"/>
           </a:xfrm>
           <a:prstGeom prst="rect">
@@ -5663,7 +5663,7 @@
         </p:nvCxnSpPr>
         <p:spPr>
           <a:xfrm flipH="1">
-            <a:off x="900705" y="1917619"/>
+            <a:off x="556462" y="1917619"/>
             <a:ext cx="707241" cy="482437"/>
           </a:xfrm>
           <a:prstGeom prst="line">
@@ -5696,7 +5696,7 @@
         </p:nvSpPr>
         <p:spPr>
           <a:xfrm>
-            <a:off x="691517" y="2400056"/>
+            <a:off x="347274" y="2400056"/>
             <a:ext cx="418375" cy="418375"/>
           </a:xfrm>
           <a:prstGeom prst="ellipse">
@@ -5738,7 +5738,7 @@
         </p:nvSpPr>
         <p:spPr>
           <a:xfrm>
-            <a:off x="896133" y="1632545"/>
+            <a:off x="551890" y="1632545"/>
             <a:ext cx="463107" cy="523220"/>
           </a:xfrm>
           <a:prstGeom prst="rect">
@@ -5772,7 +5772,7 @@
         </p:nvCxnSpPr>
         <p:spPr>
           <a:xfrm flipH="1">
-            <a:off x="1755474" y="1978889"/>
+            <a:off x="1411231" y="1978889"/>
             <a:ext cx="390" cy="675929"/>
           </a:xfrm>
           <a:prstGeom prst="line">
@@ -5805,7 +5805,7 @@
         </p:nvSpPr>
         <p:spPr>
           <a:xfrm>
-            <a:off x="1546286" y="2654818"/>
+            <a:off x="1202043" y="2654818"/>
             <a:ext cx="418375" cy="418375"/>
           </a:xfrm>
           <a:prstGeom prst="ellipse">
@@ -5847,7 +5847,7 @@
         </p:nvSpPr>
         <p:spPr>
           <a:xfrm>
-            <a:off x="1273984" y="2042110"/>
+            <a:off x="929741" y="2042110"/>
             <a:ext cx="463107" cy="523220"/>
           </a:xfrm>
           <a:prstGeom prst="rect">
@@ -5881,7 +5881,7 @@
         </p:nvCxnSpPr>
         <p:spPr>
           <a:xfrm>
-            <a:off x="1903781" y="1917619"/>
+            <a:off x="1559538" y="1917619"/>
             <a:ext cx="595752" cy="482436"/>
           </a:xfrm>
           <a:prstGeom prst="line">
@@ -5914,7 +5914,7 @@
         </p:nvSpPr>
         <p:spPr>
           <a:xfrm>
-            <a:off x="2290345" y="2400055"/>
+            <a:off x="1946102" y="2400055"/>
             <a:ext cx="418375" cy="418375"/>
           </a:xfrm>
           <a:prstGeom prst="ellipse">
@@ -5956,7 +5956,7 @@
         </p:nvSpPr>
         <p:spPr>
           <a:xfrm>
-            <a:off x="2125178" y="1599999"/>
+            <a:off x="1780935" y="1599999"/>
             <a:ext cx="463107" cy="523220"/>
           </a:xfrm>
           <a:prstGeom prst="rect">
@@ -5987,7 +5987,7 @@
         </p:nvSpPr>
         <p:spPr>
           <a:xfrm>
-            <a:off x="602546" y="3237316"/>
+            <a:off x="258303" y="3237316"/>
             <a:ext cx="587173" cy="523220"/>
           </a:xfrm>
           <a:prstGeom prst="rect">
@@ -6018,7 +6018,7 @@
         </p:nvSpPr>
         <p:spPr>
           <a:xfrm>
-            <a:off x="1461886" y="3385747"/>
+            <a:off x="1117643" y="3385747"/>
             <a:ext cx="587173" cy="523220"/>
           </a:xfrm>
           <a:prstGeom prst="rect">
@@ -6049,7 +6049,7 @@
         </p:nvSpPr>
         <p:spPr>
           <a:xfrm>
-            <a:off x="2213794" y="3167390"/>
+            <a:off x="1869551" y="3167390"/>
             <a:ext cx="587173" cy="523220"/>
           </a:xfrm>
           <a:prstGeom prst="rect">
@@ -6080,7 +6080,7 @@
         </p:nvSpPr>
         <p:spPr>
           <a:xfrm>
-            <a:off x="1475983" y="1536449"/>
+            <a:off x="1131740" y="1536449"/>
             <a:ext cx="564854" cy="461665"/>
           </a:xfrm>
           <a:prstGeom prst="rect">
@@ -6111,7 +6111,7 @@
         </p:nvSpPr>
         <p:spPr>
           <a:xfrm>
-            <a:off x="617508" y="2385780"/>
+            <a:off x="273265" y="2385780"/>
             <a:ext cx="564854" cy="461665"/>
           </a:xfrm>
           <a:prstGeom prst="rect">
@@ -6142,7 +6142,7 @@
         </p:nvSpPr>
         <p:spPr>
           <a:xfrm>
-            <a:off x="1474415" y="2638012"/>
+            <a:off x="1130172" y="2638012"/>
             <a:ext cx="564854" cy="461665"/>
           </a:xfrm>
           <a:prstGeom prst="rect">
@@ -6173,7 +6173,7 @@
         </p:nvSpPr>
         <p:spPr>
           <a:xfrm>
-            <a:off x="2219575" y="2381781"/>
+            <a:off x="1875332" y="2381781"/>
             <a:ext cx="564854" cy="461665"/>
           </a:xfrm>
           <a:prstGeom prst="rect">
@@ -6207,7 +6207,7 @@
         </p:nvCxnSpPr>
         <p:spPr>
           <a:xfrm flipH="1">
-            <a:off x="896133" y="2847445"/>
+            <a:off x="551890" y="2847445"/>
             <a:ext cx="3802" cy="389871"/>
           </a:xfrm>
           <a:prstGeom prst="line">
@@ -6247,7 +6247,7 @@
         </p:nvCxnSpPr>
         <p:spPr>
           <a:xfrm flipH="1">
-            <a:off x="1755473" y="3099677"/>
+            <a:off x="1411230" y="3099677"/>
             <a:ext cx="1369" cy="286070"/>
           </a:xfrm>
           <a:prstGeom prst="line">
@@ -6287,7 +6287,7 @@
         </p:nvCxnSpPr>
         <p:spPr>
           <a:xfrm>
-            <a:off x="2502002" y="2843446"/>
+            <a:off x="2157759" y="2843446"/>
             <a:ext cx="5379" cy="323944"/>
           </a:xfrm>
           <a:prstGeom prst="line">
@@ -6324,7 +6324,7 @@
         </p:nvSpPr>
         <p:spPr>
           <a:xfrm>
-            <a:off x="2125178" y="876090"/>
+            <a:off x="1780935" y="876090"/>
             <a:ext cx="564854" cy="461665"/>
           </a:xfrm>
           <a:prstGeom prst="rect">

--- a/figures.pptx
+++ b/figures.pptx
@@ -4654,7 +4654,7 @@
             <a:pPr algn="ctr"/>
             <a:r>
               <a:rPr lang="en-US" altLang="ja-JP" sz="2800" dirty="0"/>
-              <a:t>1</a:t>
+              <a:t>0</a:t>
             </a:r>
             <a:endParaRPr kumimoji="1" lang="ja-JP" altLang="en-US" sz="2800" dirty="0"/>
           </a:p>
@@ -4716,7 +4716,7 @@
             <a:pPr algn="ctr"/>
             <a:r>
               <a:rPr lang="en-US" altLang="ja-JP" sz="2800" dirty="0"/>
-              <a:t>2</a:t>
+              <a:t>1</a:t>
             </a:r>
             <a:endParaRPr kumimoji="1" lang="ja-JP" altLang="en-US" sz="2800" dirty="0"/>
           </a:p>
@@ -4746,8 +4746,8 @@
           <a:p>
             <a:pPr algn="ctr"/>
             <a:r>
-              <a:rPr lang="en-US" altLang="ja-JP" sz="2800" dirty="0" smtClean="0"/>
-              <a:t>4</a:t>
+              <a:rPr lang="en-US" altLang="ja-JP" sz="2800" dirty="0"/>
+              <a:t>3</a:t>
             </a:r>
             <a:endParaRPr kumimoji="1" lang="ja-JP" altLang="en-US" sz="2800" dirty="0"/>
           </a:p>
@@ -4840,7 +4840,7 @@
             <a:pPr algn="ctr"/>
             <a:r>
               <a:rPr lang="en-US" altLang="ja-JP" sz="2800" dirty="0"/>
-              <a:t>5</a:t>
+              <a:t>3</a:t>
             </a:r>
             <a:endParaRPr kumimoji="1" lang="ja-JP" altLang="en-US" sz="2800" dirty="0"/>
           </a:p>
@@ -4871,7 +4871,7 @@
             <a:pPr algn="ctr"/>
             <a:r>
               <a:rPr lang="en-US" altLang="ja-JP" sz="2800" dirty="0"/>
-              <a:t>6</a:t>
+              <a:t>3</a:t>
             </a:r>
             <a:endParaRPr kumimoji="1" lang="ja-JP" altLang="en-US" sz="2800" dirty="0"/>
           </a:p>
@@ -5247,7 +5247,7 @@
             <a:pPr algn="ctr"/>
             <a:r>
               <a:rPr lang="en-US" altLang="ja-JP" sz="2800" dirty="0"/>
-              <a:t>1</a:t>
+              <a:t>#</a:t>
             </a:r>
             <a:endParaRPr kumimoji="1" lang="ja-JP" altLang="en-US" sz="2800" dirty="0"/>
           </a:p>
@@ -5277,8 +5277,8 @@
           <a:p>
             <a:pPr algn="ctr"/>
             <a:r>
-              <a:rPr lang="en-US" altLang="ja-JP" sz="2800" dirty="0"/>
-              <a:t>2</a:t>
+              <a:rPr lang="en-US" altLang="ja-JP" sz="2800" dirty="0" smtClean="0"/>
+              <a:t>#</a:t>
             </a:r>
             <a:endParaRPr kumimoji="1" lang="ja-JP" altLang="en-US" sz="2800" dirty="0"/>
           </a:p>
@@ -5308,8 +5308,8 @@
           <a:p>
             <a:pPr algn="ctr"/>
             <a:r>
-              <a:rPr lang="en-US" altLang="ja-JP" sz="2800" dirty="0"/>
-              <a:t>3</a:t>
+              <a:rPr lang="en-US" altLang="ja-JP" sz="2800" dirty="0" smtClean="0"/>
+              <a:t>#</a:t>
             </a:r>
             <a:endParaRPr kumimoji="1" lang="ja-JP" altLang="en-US" sz="2800" dirty="0"/>
           </a:p>
@@ -5509,7 +5509,7 @@
         </p:nvSpPr>
         <p:spPr>
           <a:xfrm>
-            <a:off x="1853538" y="902784"/>
+            <a:off x="1832396" y="1266171"/>
             <a:ext cx="418375" cy="418375"/>
           </a:xfrm>
           <a:prstGeom prst="ellipse">
@@ -5554,7 +5554,7 @@
         </p:nvCxnSpPr>
         <p:spPr>
           <a:xfrm flipH="1">
-            <a:off x="1411621" y="1259889"/>
+            <a:off x="1390479" y="1623276"/>
             <a:ext cx="503187" cy="300625"/>
           </a:xfrm>
           <a:prstGeom prst="line">
@@ -5587,7 +5587,7 @@
         </p:nvSpPr>
         <p:spPr>
           <a:xfrm>
-            <a:off x="1202433" y="1560514"/>
+            <a:off x="1181291" y="1923901"/>
             <a:ext cx="418375" cy="418375"/>
           </a:xfrm>
           <a:prstGeom prst="ellipse">
@@ -5629,7 +5629,7 @@
         </p:nvSpPr>
         <p:spPr>
           <a:xfrm>
-            <a:off x="1309207" y="894663"/>
+            <a:off x="1288065" y="1258050"/>
             <a:ext cx="432090" cy="523220"/>
           </a:xfrm>
           <a:prstGeom prst="rect">
@@ -5663,7 +5663,7 @@
         </p:nvCxnSpPr>
         <p:spPr>
           <a:xfrm flipH="1">
-            <a:off x="556462" y="1917619"/>
+            <a:off x="535320" y="2281006"/>
             <a:ext cx="707241" cy="482437"/>
           </a:xfrm>
           <a:prstGeom prst="line">
@@ -5696,7 +5696,7 @@
         </p:nvSpPr>
         <p:spPr>
           <a:xfrm>
-            <a:off x="347274" y="2400056"/>
+            <a:off x="326132" y="2763443"/>
             <a:ext cx="418375" cy="418375"/>
           </a:xfrm>
           <a:prstGeom prst="ellipse">
@@ -5738,7 +5738,7 @@
         </p:nvSpPr>
         <p:spPr>
           <a:xfrm>
-            <a:off x="551890" y="1632545"/>
+            <a:off x="530748" y="1995932"/>
             <a:ext cx="463107" cy="523220"/>
           </a:xfrm>
           <a:prstGeom prst="rect">
@@ -5772,7 +5772,7 @@
         </p:nvCxnSpPr>
         <p:spPr>
           <a:xfrm flipH="1">
-            <a:off x="1411231" y="1978889"/>
+            <a:off x="1390089" y="2342276"/>
             <a:ext cx="390" cy="675929"/>
           </a:xfrm>
           <a:prstGeom prst="line">
@@ -5805,7 +5805,7 @@
         </p:nvSpPr>
         <p:spPr>
           <a:xfrm>
-            <a:off x="1202043" y="2654818"/>
+            <a:off x="1180901" y="3018205"/>
             <a:ext cx="418375" cy="418375"/>
           </a:xfrm>
           <a:prstGeom prst="ellipse">
@@ -5847,7 +5847,7 @@
         </p:nvSpPr>
         <p:spPr>
           <a:xfrm>
-            <a:off x="929741" y="2042110"/>
+            <a:off x="908599" y="2405497"/>
             <a:ext cx="463107" cy="523220"/>
           </a:xfrm>
           <a:prstGeom prst="rect">
@@ -5881,7 +5881,7 @@
         </p:nvCxnSpPr>
         <p:spPr>
           <a:xfrm>
-            <a:off x="1559538" y="1917619"/>
+            <a:off x="1538396" y="2281006"/>
             <a:ext cx="595752" cy="482436"/>
           </a:xfrm>
           <a:prstGeom prst="line">
@@ -5914,7 +5914,7 @@
         </p:nvSpPr>
         <p:spPr>
           <a:xfrm>
-            <a:off x="1946102" y="2400055"/>
+            <a:off x="1924960" y="2763442"/>
             <a:ext cx="418375" cy="418375"/>
           </a:xfrm>
           <a:prstGeom prst="ellipse">
@@ -5956,7 +5956,7 @@
         </p:nvSpPr>
         <p:spPr>
           <a:xfrm>
-            <a:off x="1780935" y="1599999"/>
+            <a:off x="1759793" y="1963386"/>
             <a:ext cx="463107" cy="523220"/>
           </a:xfrm>
           <a:prstGeom prst="rect">
@@ -5981,14 +5981,14 @@
       </p:sp>
       <p:sp>
         <p:nvSpPr>
-          <p:cNvPr id="98" name="テキスト ボックス 97"/>
+          <p:cNvPr id="111" name="テキスト ボックス 110"/>
           <p:cNvSpPr txBox="1"/>
           <p:nvPr/>
         </p:nvSpPr>
         <p:spPr>
           <a:xfrm>
-            <a:off x="258303" y="3237316"/>
-            <a:ext cx="587173" cy="523220"/>
+            <a:off x="1110598" y="1899836"/>
+            <a:ext cx="564854" cy="461665"/>
           </a:xfrm>
           <a:prstGeom prst="rect">
             <a:avLst/>
@@ -6003,23 +6003,23 @@
           <a:p>
             <a:pPr algn="ctr"/>
             <a:r>
-              <a:rPr lang="en-US" altLang="ja-JP" sz="2800" dirty="0" smtClean="0"/>
-              <a:t>1</a:t>
-            </a:r>
-            <a:endParaRPr kumimoji="1" lang="ja-JP" altLang="en-US" sz="2800" dirty="0"/>
-          </a:p>
-        </p:txBody>
-      </p:sp>
-      <p:sp>
-        <p:nvSpPr>
-          <p:cNvPr id="99" name="テキスト ボックス 98"/>
+              <a:rPr lang="en-US" altLang="ja-JP" sz="2400" dirty="0" smtClean="0"/>
+              <a:t>3</a:t>
+            </a:r>
+            <a:endParaRPr kumimoji="1" lang="ja-JP" altLang="en-US" sz="2400" dirty="0"/>
+          </a:p>
+        </p:txBody>
+      </p:sp>
+      <p:sp>
+        <p:nvSpPr>
+          <p:cNvPr id="112" name="テキスト ボックス 111"/>
           <p:cNvSpPr txBox="1"/>
           <p:nvPr/>
         </p:nvSpPr>
         <p:spPr>
           <a:xfrm>
-            <a:off x="1117643" y="3385747"/>
-            <a:ext cx="587173" cy="523220"/>
+            <a:off x="252123" y="2749167"/>
+            <a:ext cx="564854" cy="461665"/>
           </a:xfrm>
           <a:prstGeom prst="rect">
             <a:avLst/>
@@ -6034,23 +6034,23 @@
           <a:p>
             <a:pPr algn="ctr"/>
             <a:r>
-              <a:rPr lang="en-US" altLang="ja-JP" sz="2800" dirty="0" smtClean="0"/>
-              <a:t>2</a:t>
-            </a:r>
-            <a:endParaRPr kumimoji="1" lang="ja-JP" altLang="en-US" sz="2800" dirty="0"/>
-          </a:p>
-        </p:txBody>
-      </p:sp>
-      <p:sp>
-        <p:nvSpPr>
-          <p:cNvPr id="100" name="テキスト ボックス 99"/>
+              <a:rPr lang="en-US" altLang="ja-JP" sz="2400" dirty="0"/>
+              <a:t>4</a:t>
+            </a:r>
+            <a:endParaRPr kumimoji="1" lang="ja-JP" altLang="en-US" sz="2400" dirty="0"/>
+          </a:p>
+        </p:txBody>
+      </p:sp>
+      <p:sp>
+        <p:nvSpPr>
+          <p:cNvPr id="113" name="テキスト ボックス 112"/>
           <p:cNvSpPr txBox="1"/>
           <p:nvPr/>
         </p:nvSpPr>
         <p:spPr>
           <a:xfrm>
-            <a:off x="1869551" y="3167390"/>
-            <a:ext cx="587173" cy="523220"/>
+            <a:off x="1109030" y="3001399"/>
+            <a:ext cx="564854" cy="461665"/>
           </a:xfrm>
           <a:prstGeom prst="rect">
             <a:avLst/>
@@ -6065,22 +6065,22 @@
           <a:p>
             <a:pPr algn="ctr"/>
             <a:r>
-              <a:rPr lang="en-US" altLang="ja-JP" sz="2800" dirty="0" smtClean="0"/>
-              <a:t>3</a:t>
-            </a:r>
-            <a:endParaRPr kumimoji="1" lang="ja-JP" altLang="en-US" sz="2800" dirty="0"/>
-          </a:p>
-        </p:txBody>
-      </p:sp>
-      <p:sp>
-        <p:nvSpPr>
-          <p:cNvPr id="111" name="テキスト ボックス 110"/>
+              <a:rPr lang="en-US" altLang="ja-JP" sz="2400" dirty="0" smtClean="0"/>
+              <a:t>5</a:t>
+            </a:r>
+            <a:endParaRPr kumimoji="1" lang="ja-JP" altLang="en-US" sz="2400" dirty="0"/>
+          </a:p>
+        </p:txBody>
+      </p:sp>
+      <p:sp>
+        <p:nvSpPr>
+          <p:cNvPr id="114" name="テキスト ボックス 113"/>
           <p:cNvSpPr txBox="1"/>
           <p:nvPr/>
         </p:nvSpPr>
         <p:spPr>
           <a:xfrm>
-            <a:off x="1131740" y="1536449"/>
+            <a:off x="1854190" y="2745168"/>
             <a:ext cx="564854" cy="461665"/>
           </a:xfrm>
           <a:prstGeom prst="rect">
@@ -6096,99 +6096,6 @@
           <a:p>
             <a:pPr algn="ctr"/>
             <a:r>
-              <a:rPr lang="en-US" altLang="ja-JP" sz="2400" dirty="0" smtClean="0"/>
-              <a:t>3</a:t>
-            </a:r>
-            <a:endParaRPr kumimoji="1" lang="ja-JP" altLang="en-US" sz="2400" dirty="0"/>
-          </a:p>
-        </p:txBody>
-      </p:sp>
-      <p:sp>
-        <p:nvSpPr>
-          <p:cNvPr id="112" name="テキスト ボックス 111"/>
-          <p:cNvSpPr txBox="1"/>
-          <p:nvPr/>
-        </p:nvSpPr>
-        <p:spPr>
-          <a:xfrm>
-            <a:off x="273265" y="2385780"/>
-            <a:ext cx="564854" cy="461665"/>
-          </a:xfrm>
-          <a:prstGeom prst="rect">
-            <a:avLst/>
-          </a:prstGeom>
-          <a:noFill/>
-        </p:spPr>
-        <p:txBody>
-          <a:bodyPr wrap="square" rtlCol="0">
-            <a:spAutoFit/>
-          </a:bodyPr>
-          <a:lstStyle/>
-          <a:p>
-            <a:pPr algn="ctr"/>
-            <a:r>
-              <a:rPr lang="en-US" altLang="ja-JP" sz="2400" dirty="0"/>
-              <a:t>4</a:t>
-            </a:r>
-            <a:endParaRPr kumimoji="1" lang="ja-JP" altLang="en-US" sz="2400" dirty="0"/>
-          </a:p>
-        </p:txBody>
-      </p:sp>
-      <p:sp>
-        <p:nvSpPr>
-          <p:cNvPr id="113" name="テキスト ボックス 112"/>
-          <p:cNvSpPr txBox="1"/>
-          <p:nvPr/>
-        </p:nvSpPr>
-        <p:spPr>
-          <a:xfrm>
-            <a:off x="1130172" y="2638012"/>
-            <a:ext cx="564854" cy="461665"/>
-          </a:xfrm>
-          <a:prstGeom prst="rect">
-            <a:avLst/>
-          </a:prstGeom>
-          <a:noFill/>
-        </p:spPr>
-        <p:txBody>
-          <a:bodyPr wrap="square" rtlCol="0">
-            <a:spAutoFit/>
-          </a:bodyPr>
-          <a:lstStyle/>
-          <a:p>
-            <a:pPr algn="ctr"/>
-            <a:r>
-              <a:rPr lang="en-US" altLang="ja-JP" sz="2400" dirty="0" smtClean="0"/>
-              <a:t>5</a:t>
-            </a:r>
-            <a:endParaRPr kumimoji="1" lang="ja-JP" altLang="en-US" sz="2400" dirty="0"/>
-          </a:p>
-        </p:txBody>
-      </p:sp>
-      <p:sp>
-        <p:nvSpPr>
-          <p:cNvPr id="114" name="テキスト ボックス 113"/>
-          <p:cNvSpPr txBox="1"/>
-          <p:nvPr/>
-        </p:nvSpPr>
-        <p:spPr>
-          <a:xfrm>
-            <a:off x="1875332" y="2381781"/>
-            <a:ext cx="564854" cy="461665"/>
-          </a:xfrm>
-          <a:prstGeom prst="rect">
-            <a:avLst/>
-          </a:prstGeom>
-          <a:noFill/>
-        </p:spPr>
-        <p:txBody>
-          <a:bodyPr wrap="square" rtlCol="0">
-            <a:spAutoFit/>
-          </a:bodyPr>
-          <a:lstStyle/>
-          <a:p>
-            <a:pPr algn="ctr"/>
-            <a:r>
               <a:rPr lang="en-US" altLang="ja-JP" sz="2400" dirty="0"/>
               <a:t>6</a:t>
             </a:r>
@@ -6196,126 +6103,6 @@
           </a:p>
         </p:txBody>
       </p:sp>
-      <p:cxnSp>
-        <p:nvCxnSpPr>
-          <p:cNvPr id="115" name="直線コネクタ 114"/>
-          <p:cNvCxnSpPr>
-            <a:stCxn id="112" idx="2"/>
-            <a:endCxn id="98" idx="0"/>
-          </p:cNvCxnSpPr>
-          <p:nvPr/>
-        </p:nvCxnSpPr>
-        <p:spPr>
-          <a:xfrm flipH="1">
-            <a:off x="551890" y="2847445"/>
-            <a:ext cx="3802" cy="389871"/>
-          </a:xfrm>
-          <a:prstGeom prst="line">
-            <a:avLst/>
-          </a:prstGeom>
-          <a:ln w="25400">
-            <a:solidFill>
-              <a:srgbClr val="FF0000"/>
-            </a:solidFill>
-            <a:prstDash val="sysDot"/>
-            <a:tailEnd type="arrow"/>
-          </a:ln>
-        </p:spPr>
-        <p:style>
-          <a:lnRef idx="1">
-            <a:schemeClr val="accent1"/>
-          </a:lnRef>
-          <a:fillRef idx="0">
-            <a:schemeClr val="accent1"/>
-          </a:fillRef>
-          <a:effectRef idx="0">
-            <a:schemeClr val="accent1"/>
-          </a:effectRef>
-          <a:fontRef idx="minor">
-            <a:schemeClr val="tx1"/>
-          </a:fontRef>
-        </p:style>
-      </p:cxnSp>
-      <p:cxnSp>
-        <p:nvCxnSpPr>
-          <p:cNvPr id="116" name="直線コネクタ 115"/>
-          <p:cNvCxnSpPr>
-            <a:stCxn id="113" idx="2"/>
-            <a:endCxn id="99" idx="0"/>
-          </p:cNvCxnSpPr>
-          <p:nvPr/>
-        </p:nvCxnSpPr>
-        <p:spPr>
-          <a:xfrm flipH="1">
-            <a:off x="1411230" y="3099677"/>
-            <a:ext cx="1369" cy="286070"/>
-          </a:xfrm>
-          <a:prstGeom prst="line">
-            <a:avLst/>
-          </a:prstGeom>
-          <a:ln w="25400">
-            <a:solidFill>
-              <a:srgbClr val="FF0000"/>
-            </a:solidFill>
-            <a:prstDash val="sysDot"/>
-            <a:tailEnd type="arrow"/>
-          </a:ln>
-        </p:spPr>
-        <p:style>
-          <a:lnRef idx="1">
-            <a:schemeClr val="accent1"/>
-          </a:lnRef>
-          <a:fillRef idx="0">
-            <a:schemeClr val="accent1"/>
-          </a:fillRef>
-          <a:effectRef idx="0">
-            <a:schemeClr val="accent1"/>
-          </a:effectRef>
-          <a:fontRef idx="minor">
-            <a:schemeClr val="tx1"/>
-          </a:fontRef>
-        </p:style>
-      </p:cxnSp>
-      <p:cxnSp>
-        <p:nvCxnSpPr>
-          <p:cNvPr id="117" name="直線コネクタ 116"/>
-          <p:cNvCxnSpPr>
-            <a:stCxn id="114" idx="2"/>
-            <a:endCxn id="100" idx="0"/>
-          </p:cNvCxnSpPr>
-          <p:nvPr/>
-        </p:nvCxnSpPr>
-        <p:spPr>
-          <a:xfrm>
-            <a:off x="2157759" y="2843446"/>
-            <a:ext cx="5379" cy="323944"/>
-          </a:xfrm>
-          <a:prstGeom prst="line">
-            <a:avLst/>
-          </a:prstGeom>
-          <a:ln w="25400">
-            <a:solidFill>
-              <a:srgbClr val="FF0000"/>
-            </a:solidFill>
-            <a:prstDash val="sysDot"/>
-            <a:tailEnd type="arrow"/>
-          </a:ln>
-        </p:spPr>
-        <p:style>
-          <a:lnRef idx="1">
-            <a:schemeClr val="accent1"/>
-          </a:lnRef>
-          <a:fillRef idx="0">
-            <a:schemeClr val="accent1"/>
-          </a:fillRef>
-          <a:effectRef idx="0">
-            <a:schemeClr val="accent1"/>
-          </a:effectRef>
-          <a:fontRef idx="minor">
-            <a:schemeClr val="tx1"/>
-          </a:fontRef>
-        </p:style>
-      </p:cxnSp>
       <p:sp>
         <p:nvSpPr>
           <p:cNvPr id="126" name="テキスト ボックス 125"/>
@@ -6324,7 +6111,7 @@
         </p:nvSpPr>
         <p:spPr>
           <a:xfrm>
-            <a:off x="1780935" y="876090"/>
+            <a:off x="1759793" y="1239477"/>
             <a:ext cx="564854" cy="461665"/>
           </a:xfrm>
           <a:prstGeom prst="rect">

--- a/figures.pptx
+++ b/figures.pptx
@@ -4385,7 +4385,7 @@
         </p:nvSpPr>
         <p:spPr>
           <a:xfrm>
-            <a:off x="4422730" y="2801909"/>
+            <a:off x="4594855" y="2801909"/>
             <a:ext cx="715246" cy="520090"/>
           </a:xfrm>
           <a:prstGeom prst="rect">
@@ -4427,7 +4427,7 @@
         </p:nvSpPr>
         <p:spPr>
           <a:xfrm>
-            <a:off x="5137976" y="2801909"/>
+            <a:off x="5310101" y="2801909"/>
             <a:ext cx="715246" cy="520090"/>
           </a:xfrm>
           <a:prstGeom prst="rect">
@@ -4469,7 +4469,7 @@
         </p:nvSpPr>
         <p:spPr>
           <a:xfrm>
-            <a:off x="5853222" y="2801909"/>
+            <a:off x="6025347" y="2801909"/>
             <a:ext cx="715246" cy="520090"/>
           </a:xfrm>
           <a:prstGeom prst="rect">
@@ -4511,7 +4511,7 @@
         </p:nvSpPr>
         <p:spPr>
           <a:xfrm>
-            <a:off x="6568744" y="2801909"/>
+            <a:off x="6740869" y="2801909"/>
             <a:ext cx="715246" cy="520090"/>
           </a:xfrm>
           <a:prstGeom prst="rect">
@@ -4553,7 +4553,7 @@
         </p:nvSpPr>
         <p:spPr>
           <a:xfrm>
-            <a:off x="7283990" y="2801909"/>
+            <a:off x="7456115" y="2801909"/>
             <a:ext cx="715246" cy="520090"/>
           </a:xfrm>
           <a:prstGeom prst="rect">
@@ -4595,7 +4595,7 @@
         </p:nvSpPr>
         <p:spPr>
           <a:xfrm>
-            <a:off x="7999236" y="2801909"/>
+            <a:off x="8171361" y="2801909"/>
             <a:ext cx="715246" cy="520090"/>
           </a:xfrm>
           <a:prstGeom prst="rect">
@@ -4637,7 +4637,7 @@
         </p:nvSpPr>
         <p:spPr>
           <a:xfrm>
-            <a:off x="4527418" y="2798779"/>
+            <a:off x="4699543" y="2798779"/>
             <a:ext cx="496493" cy="523220"/>
           </a:xfrm>
           <a:prstGeom prst="rect">
@@ -4668,7 +4668,7 @@
         </p:nvSpPr>
         <p:spPr>
           <a:xfrm>
-            <a:off x="5247352" y="2803468"/>
+            <a:off x="5419477" y="2803468"/>
             <a:ext cx="496493" cy="523220"/>
           </a:xfrm>
           <a:prstGeom prst="rect">
@@ -4699,7 +4699,7 @@
         </p:nvSpPr>
         <p:spPr>
           <a:xfrm>
-            <a:off x="5968327" y="2803468"/>
+            <a:off x="6140452" y="2803468"/>
             <a:ext cx="496493" cy="523220"/>
           </a:xfrm>
           <a:prstGeom prst="rect">
@@ -4730,7 +4730,7 @@
         </p:nvSpPr>
         <p:spPr>
           <a:xfrm>
-            <a:off x="6684613" y="2798779"/>
+            <a:off x="6856738" y="2798779"/>
             <a:ext cx="496493" cy="523220"/>
           </a:xfrm>
           <a:prstGeom prst="rect">
@@ -4761,7 +4761,7 @@
         </p:nvSpPr>
         <p:spPr>
           <a:xfrm>
-            <a:off x="3248355" y="2816594"/>
+            <a:off x="3420480" y="2816594"/>
             <a:ext cx="1134932" cy="523220"/>
           </a:xfrm>
           <a:prstGeom prst="rect">
@@ -4792,7 +4792,7 @@
         </p:nvSpPr>
         <p:spPr>
           <a:xfrm>
-            <a:off x="3248355" y="1834202"/>
+            <a:off x="3420480" y="1834202"/>
             <a:ext cx="1134932" cy="523220"/>
           </a:xfrm>
           <a:prstGeom prst="rect">
@@ -4823,7 +4823,7 @@
         </p:nvSpPr>
         <p:spPr>
           <a:xfrm>
-            <a:off x="7386262" y="2798779"/>
+            <a:off x="7558387" y="2798779"/>
             <a:ext cx="496493" cy="523220"/>
           </a:xfrm>
           <a:prstGeom prst="rect">
@@ -4854,7 +4854,7 @@
         </p:nvSpPr>
         <p:spPr>
           <a:xfrm>
-            <a:off x="8107237" y="2801909"/>
+            <a:off x="8279362" y="2801909"/>
             <a:ext cx="496493" cy="523220"/>
           </a:xfrm>
           <a:prstGeom prst="rect">
@@ -4885,7 +4885,7 @@
         </p:nvSpPr>
         <p:spPr>
           <a:xfrm>
-            <a:off x="4422730" y="1828894"/>
+            <a:off x="4594855" y="1828894"/>
             <a:ext cx="715246" cy="520090"/>
           </a:xfrm>
           <a:prstGeom prst="rect">
@@ -4927,7 +4927,7 @@
         </p:nvSpPr>
         <p:spPr>
           <a:xfrm>
-            <a:off x="5137976" y="1828894"/>
+            <a:off x="5310101" y="1828894"/>
             <a:ext cx="715246" cy="520090"/>
           </a:xfrm>
           <a:prstGeom prst="rect">
@@ -4969,7 +4969,7 @@
         </p:nvSpPr>
         <p:spPr>
           <a:xfrm>
-            <a:off x="5853222" y="1828894"/>
+            <a:off x="6025347" y="1828894"/>
             <a:ext cx="715246" cy="520090"/>
           </a:xfrm>
           <a:prstGeom prst="rect">
@@ -5011,7 +5011,7 @@
         </p:nvSpPr>
         <p:spPr>
           <a:xfrm>
-            <a:off x="6568744" y="1828894"/>
+            <a:off x="6740869" y="1828894"/>
             <a:ext cx="715246" cy="520090"/>
           </a:xfrm>
           <a:prstGeom prst="rect">
@@ -5053,7 +5053,7 @@
         </p:nvSpPr>
         <p:spPr>
           <a:xfrm>
-            <a:off x="7283990" y="1828894"/>
+            <a:off x="7456115" y="1828894"/>
             <a:ext cx="715246" cy="520090"/>
           </a:xfrm>
           <a:prstGeom prst="rect">
@@ -5095,7 +5095,7 @@
         </p:nvSpPr>
         <p:spPr>
           <a:xfrm>
-            <a:off x="7999236" y="1828894"/>
+            <a:off x="8171361" y="1828894"/>
             <a:ext cx="715246" cy="520090"/>
           </a:xfrm>
           <a:prstGeom prst="rect">
@@ -5137,7 +5137,7 @@
         </p:nvSpPr>
         <p:spPr>
           <a:xfrm>
-            <a:off x="4527418" y="1825764"/>
+            <a:off x="4699543" y="1825764"/>
             <a:ext cx="496493" cy="523220"/>
           </a:xfrm>
           <a:prstGeom prst="rect">
@@ -5168,7 +5168,7 @@
         </p:nvSpPr>
         <p:spPr>
           <a:xfrm>
-            <a:off x="5247352" y="1830453"/>
+            <a:off x="5419477" y="1830453"/>
             <a:ext cx="496493" cy="523220"/>
           </a:xfrm>
           <a:prstGeom prst="rect">
@@ -5199,7 +5199,7 @@
         </p:nvSpPr>
         <p:spPr>
           <a:xfrm>
-            <a:off x="5968327" y="1830453"/>
+            <a:off x="6140452" y="1830453"/>
             <a:ext cx="496493" cy="523220"/>
           </a:xfrm>
           <a:prstGeom prst="rect">
@@ -5230,7 +5230,7 @@
         </p:nvSpPr>
         <p:spPr>
           <a:xfrm>
-            <a:off x="6684613" y="1825764"/>
+            <a:off x="6856738" y="1825764"/>
             <a:ext cx="496493" cy="523220"/>
           </a:xfrm>
           <a:prstGeom prst="rect">
@@ -5261,7 +5261,7 @@
         </p:nvSpPr>
         <p:spPr>
           <a:xfrm>
-            <a:off x="7386262" y="1825764"/>
+            <a:off x="7558387" y="1825764"/>
             <a:ext cx="496493" cy="523220"/>
           </a:xfrm>
           <a:prstGeom prst="rect">
@@ -5292,7 +5292,7 @@
         </p:nvSpPr>
         <p:spPr>
           <a:xfrm>
-            <a:off x="8107237" y="1828894"/>
+            <a:off x="8279362" y="1828894"/>
             <a:ext cx="496493" cy="523220"/>
           </a:xfrm>
           <a:prstGeom prst="rect">
@@ -5323,7 +5323,7 @@
         </p:nvSpPr>
         <p:spPr>
           <a:xfrm>
-            <a:off x="4527418" y="1121611"/>
+            <a:off x="4699543" y="1121611"/>
             <a:ext cx="496493" cy="523220"/>
           </a:xfrm>
           <a:prstGeom prst="rect">
@@ -5354,7 +5354,7 @@
         </p:nvSpPr>
         <p:spPr>
           <a:xfrm>
-            <a:off x="5247352" y="1126300"/>
+            <a:off x="5419477" y="1126300"/>
             <a:ext cx="496493" cy="523220"/>
           </a:xfrm>
           <a:prstGeom prst="rect">
@@ -5385,7 +5385,7 @@
         </p:nvSpPr>
         <p:spPr>
           <a:xfrm>
-            <a:off x="5968327" y="1126300"/>
+            <a:off x="6140452" y="1126300"/>
             <a:ext cx="496493" cy="523220"/>
           </a:xfrm>
           <a:prstGeom prst="rect">
@@ -5416,7 +5416,7 @@
         </p:nvSpPr>
         <p:spPr>
           <a:xfrm>
-            <a:off x="6684613" y="1121611"/>
+            <a:off x="6856738" y="1121611"/>
             <a:ext cx="496493" cy="523220"/>
           </a:xfrm>
           <a:prstGeom prst="rect">
@@ -5447,7 +5447,7 @@
         </p:nvSpPr>
         <p:spPr>
           <a:xfrm>
-            <a:off x="7386262" y="1121611"/>
+            <a:off x="7558387" y="1121611"/>
             <a:ext cx="496493" cy="523220"/>
           </a:xfrm>
           <a:prstGeom prst="rect">
@@ -5478,7 +5478,7 @@
         </p:nvSpPr>
         <p:spPr>
           <a:xfrm>
-            <a:off x="8107237" y="1124741"/>
+            <a:off x="8279362" y="1124741"/>
             <a:ext cx="496493" cy="523220"/>
           </a:xfrm>
           <a:prstGeom prst="rect">
@@ -5509,7 +5509,7 @@
         </p:nvSpPr>
         <p:spPr>
           <a:xfrm>
-            <a:off x="1832396" y="1266171"/>
+            <a:off x="1746487" y="1180674"/>
             <a:ext cx="418375" cy="418375"/>
           </a:xfrm>
           <a:prstGeom prst="ellipse">
@@ -5554,8 +5554,8 @@
         </p:nvCxnSpPr>
         <p:spPr>
           <a:xfrm flipH="1">
-            <a:off x="1390479" y="1623276"/>
-            <a:ext cx="503187" cy="300625"/>
+            <a:off x="1390479" y="1537779"/>
+            <a:ext cx="417278" cy="386122"/>
           </a:xfrm>
           <a:prstGeom prst="line">
             <a:avLst/>
@@ -5629,7 +5629,7 @@
         </p:nvSpPr>
         <p:spPr>
           <a:xfrm>
-            <a:off x="1288065" y="1258050"/>
+            <a:off x="1209803" y="1203525"/>
             <a:ext cx="432090" cy="523220"/>
           </a:xfrm>
           <a:prstGeom prst="rect">
@@ -6111,7 +6111,7 @@
         </p:nvSpPr>
         <p:spPr>
           <a:xfrm>
-            <a:off x="1759793" y="1239477"/>
+            <a:off x="1673884" y="1153980"/>
             <a:ext cx="564854" cy="461665"/>
           </a:xfrm>
           <a:prstGeom prst="rect">
@@ -6131,6 +6131,76 @@
               <a:t>1</a:t>
             </a:r>
             <a:endParaRPr kumimoji="1" lang="ja-JP" altLang="en-US" sz="2400" dirty="0"/>
+          </a:p>
+        </p:txBody>
+      </p:sp>
+      <p:sp>
+        <p:nvSpPr>
+          <p:cNvPr id="3" name="左右矢印 2"/>
+          <p:cNvSpPr/>
+          <p:nvPr/>
+        </p:nvSpPr>
+        <p:spPr>
+          <a:xfrm>
+            <a:off x="2639739" y="2281006"/>
+            <a:ext cx="725003" cy="464162"/>
+          </a:xfrm>
+          <a:prstGeom prst="leftRightArrow">
+            <a:avLst/>
+          </a:prstGeom>
+          <a:gradFill>
+            <a:gsLst>
+              <a:gs pos="0">
+                <a:schemeClr val="accent1">
+                  <a:lumMod val="5000"/>
+                  <a:lumOff val="95000"/>
+                </a:schemeClr>
+              </a:gs>
+              <a:gs pos="74000">
+                <a:schemeClr val="accent1">
+                  <a:lumMod val="45000"/>
+                  <a:lumOff val="55000"/>
+                </a:schemeClr>
+              </a:gs>
+              <a:gs pos="83000">
+                <a:schemeClr val="accent1">
+                  <a:lumMod val="45000"/>
+                  <a:lumOff val="55000"/>
+                </a:schemeClr>
+              </a:gs>
+              <a:gs pos="100000">
+                <a:schemeClr val="accent1">
+                  <a:lumMod val="30000"/>
+                  <a:lumOff val="70000"/>
+                </a:schemeClr>
+              </a:gs>
+            </a:gsLst>
+            <a:lin ang="5400000" scaled="1"/>
+          </a:gradFill>
+          <a:ln w="25400"/>
+        </p:spPr>
+        <p:style>
+          <a:lnRef idx="2">
+            <a:schemeClr val="accent1">
+              <a:shade val="50000"/>
+            </a:schemeClr>
+          </a:lnRef>
+          <a:fillRef idx="1">
+            <a:schemeClr val="accent1"/>
+          </a:fillRef>
+          <a:effectRef idx="0">
+            <a:schemeClr val="accent1"/>
+          </a:effectRef>
+          <a:fontRef idx="minor">
+            <a:schemeClr val="lt1"/>
+          </a:fontRef>
+        </p:style>
+        <p:txBody>
+          <a:bodyPr rtlCol="0" anchor="ctr"/>
+          <a:lstStyle/>
+          <a:p>
+            <a:pPr algn="ctr"/>
+            <a:endParaRPr kumimoji="1" lang="ja-JP" altLang="en-US"/>
           </a:p>
         </p:txBody>
       </p:sp>
